--- a/python技巧/多线程/img/绘图.pptx
+++ b/python技巧/多线程/img/绘图.pptx
@@ -9,6 +9,9 @@
     <p:sldId id="257" r:id="rId3"/>
     <p:sldId id="259" r:id="rId4"/>
     <p:sldId id="258" r:id="rId5"/>
+    <p:sldId id="260" r:id="rId6"/>
+    <p:sldId id="261" r:id="rId7"/>
+    <p:sldId id="262" r:id="rId8"/>
   </p:sldIdLst>
   <p:sldSz cx="12192000" cy="6858000"/>
   <p:notesSz cx="6858000" cy="9144000"/>
@@ -262,7 +265,7 @@
           <a:p>
             <a:fld id="{6C2FDD9B-2DFF-4C8B-A9B1-034E1E55B23D}" type="datetimeFigureOut">
               <a:rPr lang="zh-CN" altLang="en-US" smtClean="0"/>
-              <a:t>2020/8/12</a:t>
+              <a:t>2021/2/7</a:t>
             </a:fld>
             <a:endParaRPr lang="zh-CN" altLang="en-US"/>
           </a:p>
@@ -460,7 +463,7 @@
           <a:p>
             <a:fld id="{6C2FDD9B-2DFF-4C8B-A9B1-034E1E55B23D}" type="datetimeFigureOut">
               <a:rPr lang="zh-CN" altLang="en-US" smtClean="0"/>
-              <a:t>2020/8/12</a:t>
+              <a:t>2021/2/7</a:t>
             </a:fld>
             <a:endParaRPr lang="zh-CN" altLang="en-US"/>
           </a:p>
@@ -668,7 +671,7 @@
           <a:p>
             <a:fld id="{6C2FDD9B-2DFF-4C8B-A9B1-034E1E55B23D}" type="datetimeFigureOut">
               <a:rPr lang="zh-CN" altLang="en-US" smtClean="0"/>
-              <a:t>2020/8/12</a:t>
+              <a:t>2021/2/7</a:t>
             </a:fld>
             <a:endParaRPr lang="zh-CN" altLang="en-US"/>
           </a:p>
@@ -866,7 +869,7 @@
           <a:p>
             <a:fld id="{6C2FDD9B-2DFF-4C8B-A9B1-034E1E55B23D}" type="datetimeFigureOut">
               <a:rPr lang="zh-CN" altLang="en-US" smtClean="0"/>
-              <a:t>2020/8/12</a:t>
+              <a:t>2021/2/7</a:t>
             </a:fld>
             <a:endParaRPr lang="zh-CN" altLang="en-US"/>
           </a:p>
@@ -1141,7 +1144,7 @@
           <a:p>
             <a:fld id="{6C2FDD9B-2DFF-4C8B-A9B1-034E1E55B23D}" type="datetimeFigureOut">
               <a:rPr lang="zh-CN" altLang="en-US" smtClean="0"/>
-              <a:t>2020/8/12</a:t>
+              <a:t>2021/2/7</a:t>
             </a:fld>
             <a:endParaRPr lang="zh-CN" altLang="en-US"/>
           </a:p>
@@ -1406,7 +1409,7 @@
           <a:p>
             <a:fld id="{6C2FDD9B-2DFF-4C8B-A9B1-034E1E55B23D}" type="datetimeFigureOut">
               <a:rPr lang="zh-CN" altLang="en-US" smtClean="0"/>
-              <a:t>2020/8/12</a:t>
+              <a:t>2021/2/7</a:t>
             </a:fld>
             <a:endParaRPr lang="zh-CN" altLang="en-US"/>
           </a:p>
@@ -1818,7 +1821,7 @@
           <a:p>
             <a:fld id="{6C2FDD9B-2DFF-4C8B-A9B1-034E1E55B23D}" type="datetimeFigureOut">
               <a:rPr lang="zh-CN" altLang="en-US" smtClean="0"/>
-              <a:t>2020/8/12</a:t>
+              <a:t>2021/2/7</a:t>
             </a:fld>
             <a:endParaRPr lang="zh-CN" altLang="en-US"/>
           </a:p>
@@ -1959,7 +1962,7 @@
           <a:p>
             <a:fld id="{6C2FDD9B-2DFF-4C8B-A9B1-034E1E55B23D}" type="datetimeFigureOut">
               <a:rPr lang="zh-CN" altLang="en-US" smtClean="0"/>
-              <a:t>2020/8/12</a:t>
+              <a:t>2021/2/7</a:t>
             </a:fld>
             <a:endParaRPr lang="zh-CN" altLang="en-US"/>
           </a:p>
@@ -2072,7 +2075,7 @@
           <a:p>
             <a:fld id="{6C2FDD9B-2DFF-4C8B-A9B1-034E1E55B23D}" type="datetimeFigureOut">
               <a:rPr lang="zh-CN" altLang="en-US" smtClean="0"/>
-              <a:t>2020/8/12</a:t>
+              <a:t>2021/2/7</a:t>
             </a:fld>
             <a:endParaRPr lang="zh-CN" altLang="en-US"/>
           </a:p>
@@ -2383,7 +2386,7 @@
           <a:p>
             <a:fld id="{6C2FDD9B-2DFF-4C8B-A9B1-034E1E55B23D}" type="datetimeFigureOut">
               <a:rPr lang="zh-CN" altLang="en-US" smtClean="0"/>
-              <a:t>2020/8/12</a:t>
+              <a:t>2021/2/7</a:t>
             </a:fld>
             <a:endParaRPr lang="zh-CN" altLang="en-US"/>
           </a:p>
@@ -2671,7 +2674,7 @@
           <a:p>
             <a:fld id="{6C2FDD9B-2DFF-4C8B-A9B1-034E1E55B23D}" type="datetimeFigureOut">
               <a:rPr lang="zh-CN" altLang="en-US" smtClean="0"/>
-              <a:t>2020/8/12</a:t>
+              <a:t>2021/2/7</a:t>
             </a:fld>
             <a:endParaRPr lang="zh-CN" altLang="en-US"/>
           </a:p>
@@ -2912,7 +2915,7 @@
           <a:p>
             <a:fld id="{6C2FDD9B-2DFF-4C8B-A9B1-034E1E55B23D}" type="datetimeFigureOut">
               <a:rPr lang="zh-CN" altLang="en-US" smtClean="0"/>
-              <a:t>2020/8/12</a:t>
+              <a:t>2021/2/7</a:t>
             </a:fld>
             <a:endParaRPr lang="zh-CN" altLang="en-US"/>
           </a:p>
@@ -7356,6 +7359,2591 @@
 </p:sld>
 </file>
 
+<file path=ppt/slides/slide5.xml><?xml version="1.0" encoding="utf-8"?>
+<p:sld xmlns:a="http://schemas.openxmlformats.org/drawingml/2006/main" xmlns:r="http://schemas.openxmlformats.org/officeDocument/2006/relationships" xmlns:p="http://schemas.openxmlformats.org/presentationml/2006/main">
+  <p:cSld>
+    <p:spTree>
+      <p:nvGrpSpPr>
+        <p:cNvPr id="1" name=""/>
+        <p:cNvGrpSpPr/>
+        <p:nvPr/>
+      </p:nvGrpSpPr>
+      <p:grpSpPr>
+        <a:xfrm>
+          <a:off x="0" y="0"/>
+          <a:ext cx="0" cy="0"/>
+          <a:chOff x="0" y="0"/>
+          <a:chExt cx="0" cy="0"/>
+        </a:xfrm>
+      </p:grpSpPr>
+      <p:cxnSp>
+        <p:nvCxnSpPr>
+          <p:cNvPr id="119" name="直接连接符 118">
+            <a:extLst>
+              <a:ext uri="{FF2B5EF4-FFF2-40B4-BE49-F238E27FC236}">
+                <a16:creationId xmlns:a16="http://schemas.microsoft.com/office/drawing/2014/main" id="{73EB3581-0FE8-4783-B9A9-393FC7C93F4A}"/>
+              </a:ext>
+            </a:extLst>
+          </p:cNvPr>
+          <p:cNvCxnSpPr>
+            <a:cxnSpLocks/>
+          </p:cNvCxnSpPr>
+          <p:nvPr/>
+        </p:nvCxnSpPr>
+        <p:spPr>
+          <a:xfrm>
+            <a:off x="4932000" y="2619000"/>
+            <a:ext cx="0" cy="1581005"/>
+          </a:xfrm>
+          <a:prstGeom prst="line">
+            <a:avLst/>
+          </a:prstGeom>
+          <a:ln w="50800">
+            <a:solidFill>
+              <a:srgbClr val="8FAADC"/>
+            </a:solidFill>
+          </a:ln>
+        </p:spPr>
+        <p:style>
+          <a:lnRef idx="1">
+            <a:schemeClr val="accent1"/>
+          </a:lnRef>
+          <a:fillRef idx="0">
+            <a:schemeClr val="accent1"/>
+          </a:fillRef>
+          <a:effectRef idx="0">
+            <a:schemeClr val="accent1"/>
+          </a:effectRef>
+          <a:fontRef idx="minor">
+            <a:schemeClr val="tx1"/>
+          </a:fontRef>
+        </p:style>
+      </p:cxnSp>
+      <p:cxnSp>
+        <p:nvCxnSpPr>
+          <p:cNvPr id="114" name="直接连接符 113">
+            <a:extLst>
+              <a:ext uri="{FF2B5EF4-FFF2-40B4-BE49-F238E27FC236}">
+                <a16:creationId xmlns:a16="http://schemas.microsoft.com/office/drawing/2014/main" id="{896B71CE-3473-4F20-8561-2F761CC1FC4D}"/>
+              </a:ext>
+            </a:extLst>
+          </p:cNvPr>
+          <p:cNvCxnSpPr>
+            <a:cxnSpLocks/>
+          </p:cNvCxnSpPr>
+          <p:nvPr/>
+        </p:nvCxnSpPr>
+        <p:spPr>
+          <a:xfrm>
+            <a:off x="4932650" y="4200005"/>
+            <a:ext cx="0" cy="1110928"/>
+          </a:xfrm>
+          <a:prstGeom prst="line">
+            <a:avLst/>
+          </a:prstGeom>
+          <a:ln w="50800">
+            <a:solidFill>
+              <a:srgbClr val="FF7C80"/>
+            </a:solidFill>
+          </a:ln>
+        </p:spPr>
+        <p:style>
+          <a:lnRef idx="1">
+            <a:schemeClr val="accent1"/>
+          </a:lnRef>
+          <a:fillRef idx="0">
+            <a:schemeClr val="accent1"/>
+          </a:fillRef>
+          <a:effectRef idx="0">
+            <a:schemeClr val="accent1"/>
+          </a:effectRef>
+          <a:fontRef idx="minor">
+            <a:schemeClr val="tx1"/>
+          </a:fontRef>
+        </p:style>
+      </p:cxnSp>
+      <p:cxnSp>
+        <p:nvCxnSpPr>
+          <p:cNvPr id="104" name="直接连接符 103">
+            <a:extLst>
+              <a:ext uri="{FF2B5EF4-FFF2-40B4-BE49-F238E27FC236}">
+                <a16:creationId xmlns:a16="http://schemas.microsoft.com/office/drawing/2014/main" id="{10317185-2CD9-4F28-BF45-B100D6CA8599}"/>
+              </a:ext>
+            </a:extLst>
+          </p:cNvPr>
+          <p:cNvCxnSpPr>
+            <a:cxnSpLocks/>
+          </p:cNvCxnSpPr>
+          <p:nvPr/>
+        </p:nvCxnSpPr>
+        <p:spPr>
+          <a:xfrm>
+            <a:off x="3041750" y="4295431"/>
+            <a:ext cx="0" cy="225000"/>
+          </a:xfrm>
+          <a:prstGeom prst="line">
+            <a:avLst/>
+          </a:prstGeom>
+          <a:ln w="38100">
+            <a:solidFill>
+              <a:srgbClr val="8FAADC"/>
+            </a:solidFill>
+            <a:tailEnd type="triangle" w="med" len="sm"/>
+          </a:ln>
+        </p:spPr>
+        <p:style>
+          <a:lnRef idx="1">
+            <a:schemeClr val="accent1"/>
+          </a:lnRef>
+          <a:fillRef idx="0">
+            <a:schemeClr val="accent1"/>
+          </a:fillRef>
+          <a:effectRef idx="0">
+            <a:schemeClr val="accent1"/>
+          </a:effectRef>
+          <a:fontRef idx="minor">
+            <a:schemeClr val="tx1"/>
+          </a:fontRef>
+        </p:style>
+      </p:cxnSp>
+      <p:cxnSp>
+        <p:nvCxnSpPr>
+          <p:cNvPr id="83" name="直接连接符 82">
+            <a:extLst>
+              <a:ext uri="{FF2B5EF4-FFF2-40B4-BE49-F238E27FC236}">
+                <a16:creationId xmlns:a16="http://schemas.microsoft.com/office/drawing/2014/main" id="{4D62B23A-C623-4A98-A755-42A826A27658}"/>
+              </a:ext>
+            </a:extLst>
+          </p:cNvPr>
+          <p:cNvCxnSpPr>
+            <a:cxnSpLocks/>
+            <a:stCxn id="63" idx="2"/>
+            <a:endCxn id="64" idx="0"/>
+          </p:cNvCxnSpPr>
+          <p:nvPr/>
+        </p:nvCxnSpPr>
+        <p:spPr>
+          <a:xfrm>
+            <a:off x="3058105" y="2259000"/>
+            <a:ext cx="0" cy="225000"/>
+          </a:xfrm>
+          <a:prstGeom prst="line">
+            <a:avLst/>
+          </a:prstGeom>
+          <a:ln w="38100">
+            <a:solidFill>
+              <a:srgbClr val="8FAADC"/>
+            </a:solidFill>
+            <a:tailEnd type="triangle" w="med" len="sm"/>
+          </a:ln>
+        </p:spPr>
+        <p:style>
+          <a:lnRef idx="1">
+            <a:schemeClr val="accent1"/>
+          </a:lnRef>
+          <a:fillRef idx="0">
+            <a:schemeClr val="accent1"/>
+          </a:fillRef>
+          <a:effectRef idx="0">
+            <a:schemeClr val="accent1"/>
+          </a:effectRef>
+          <a:fontRef idx="minor">
+            <a:schemeClr val="tx1"/>
+          </a:fontRef>
+        </p:style>
+      </p:cxnSp>
+      <p:sp>
+        <p:nvSpPr>
+          <p:cNvPr id="2" name="矩形 1">
+            <a:extLst>
+              <a:ext uri="{FF2B5EF4-FFF2-40B4-BE49-F238E27FC236}">
+                <a16:creationId xmlns:a16="http://schemas.microsoft.com/office/drawing/2014/main" id="{EC03AFD4-2652-454A-B2A8-76E21A8E7366}"/>
+              </a:ext>
+            </a:extLst>
+          </p:cNvPr>
+          <p:cNvSpPr/>
+          <p:nvPr/>
+        </p:nvSpPr>
+        <p:spPr>
+          <a:xfrm>
+            <a:off x="715512" y="729000"/>
+            <a:ext cx="4615488" cy="405000"/>
+          </a:xfrm>
+          <a:prstGeom prst="rect">
+            <a:avLst/>
+          </a:prstGeom>
+          <a:solidFill>
+            <a:schemeClr val="accent5">
+              <a:lumMod val="40000"/>
+              <a:lumOff val="60000"/>
+            </a:schemeClr>
+          </a:solidFill>
+          <a:ln>
+            <a:noFill/>
+          </a:ln>
+        </p:spPr>
+        <p:style>
+          <a:lnRef idx="2">
+            <a:schemeClr val="accent1">
+              <a:shade val="50000"/>
+            </a:schemeClr>
+          </a:lnRef>
+          <a:fillRef idx="1">
+            <a:schemeClr val="accent1"/>
+          </a:fillRef>
+          <a:effectRef idx="0">
+            <a:schemeClr val="accent1"/>
+          </a:effectRef>
+          <a:fontRef idx="minor">
+            <a:schemeClr val="lt1"/>
+          </a:fontRef>
+        </p:style>
+        <p:txBody>
+          <a:bodyPr rtlCol="0" anchor="ctr"/>
+          <a:lstStyle/>
+          <a:p>
+            <a:pPr algn="ctr"/>
+            <a:endParaRPr lang="zh-CN" altLang="en-US" sz="1200" dirty="0"/>
+          </a:p>
+        </p:txBody>
+      </p:sp>
+      <p:sp>
+        <p:nvSpPr>
+          <p:cNvPr id="33" name="矩形 32">
+            <a:extLst>
+              <a:ext uri="{FF2B5EF4-FFF2-40B4-BE49-F238E27FC236}">
+                <a16:creationId xmlns:a16="http://schemas.microsoft.com/office/drawing/2014/main" id="{448ADE9B-911F-4C4C-942A-7A03D461535D}"/>
+              </a:ext>
+            </a:extLst>
+          </p:cNvPr>
+          <p:cNvSpPr/>
+          <p:nvPr/>
+        </p:nvSpPr>
+        <p:spPr>
+          <a:xfrm>
+            <a:off x="741000" y="729000"/>
+            <a:ext cx="900000" cy="405000"/>
+          </a:xfrm>
+          <a:prstGeom prst="rect">
+            <a:avLst/>
+          </a:prstGeom>
+          <a:noFill/>
+          <a:ln>
+            <a:noFill/>
+          </a:ln>
+        </p:spPr>
+        <p:style>
+          <a:lnRef idx="2">
+            <a:schemeClr val="accent1">
+              <a:shade val="50000"/>
+            </a:schemeClr>
+          </a:lnRef>
+          <a:fillRef idx="1">
+            <a:schemeClr val="accent1"/>
+          </a:fillRef>
+          <a:effectRef idx="0">
+            <a:schemeClr val="accent1"/>
+          </a:effectRef>
+          <a:fontRef idx="minor">
+            <a:schemeClr val="lt1"/>
+          </a:fontRef>
+        </p:style>
+        <p:txBody>
+          <a:bodyPr rtlCol="0" anchor="ctr"/>
+          <a:lstStyle/>
+          <a:p>
+            <a:pPr algn="ctr"/>
+            <a:r>
+              <a:rPr lang="zh-CN" altLang="en-US" sz="1400" b="1" dirty="0">
+                <a:solidFill>
+                  <a:schemeClr val="tx1"/>
+                </a:solidFill>
+                <a:latin typeface="Times New Roman" panose="02020603050405020304" pitchFamily="18" charset="0"/>
+                <a:ea typeface="华文中宋" panose="02010600040101010101" pitchFamily="2" charset="-122"/>
+                <a:cs typeface="Times New Roman" panose="02020603050405020304" pitchFamily="18" charset="0"/>
+              </a:rPr>
+              <a:t>进程</a:t>
+            </a:r>
+            <a:r>
+              <a:rPr lang="en-US" altLang="zh-CN" sz="1400" b="1" dirty="0">
+                <a:solidFill>
+                  <a:schemeClr val="tx1"/>
+                </a:solidFill>
+                <a:latin typeface="Times New Roman" panose="02020603050405020304" pitchFamily="18" charset="0"/>
+                <a:ea typeface="华文中宋" panose="02010600040101010101" pitchFamily="2" charset="-122"/>
+                <a:cs typeface="Times New Roman" panose="02020603050405020304" pitchFamily="18" charset="0"/>
+              </a:rPr>
+              <a:t>1</a:t>
+            </a:r>
+            <a:endParaRPr lang="zh-CN" altLang="en-US" sz="1400" b="1" dirty="0">
+              <a:solidFill>
+                <a:schemeClr val="tx1"/>
+              </a:solidFill>
+              <a:latin typeface="Times New Roman" panose="02020603050405020304" pitchFamily="18" charset="0"/>
+              <a:ea typeface="华文中宋" panose="02010600040101010101" pitchFamily="2" charset="-122"/>
+              <a:cs typeface="Times New Roman" panose="02020603050405020304" pitchFamily="18" charset="0"/>
+            </a:endParaRPr>
+          </a:p>
+        </p:txBody>
+      </p:sp>
+      <p:sp>
+        <p:nvSpPr>
+          <p:cNvPr id="35" name="矩形 34">
+            <a:extLst>
+              <a:ext uri="{FF2B5EF4-FFF2-40B4-BE49-F238E27FC236}">
+                <a16:creationId xmlns:a16="http://schemas.microsoft.com/office/drawing/2014/main" id="{00A902B5-032F-463A-AEBA-EC90F88CB387}"/>
+              </a:ext>
+            </a:extLst>
+          </p:cNvPr>
+          <p:cNvSpPr/>
+          <p:nvPr/>
+        </p:nvSpPr>
+        <p:spPr>
+          <a:xfrm>
+            <a:off x="2440138" y="743939"/>
+            <a:ext cx="1237241" cy="405000"/>
+          </a:xfrm>
+          <a:prstGeom prst="rect">
+            <a:avLst/>
+          </a:prstGeom>
+          <a:noFill/>
+          <a:ln>
+            <a:noFill/>
+          </a:ln>
+        </p:spPr>
+        <p:style>
+          <a:lnRef idx="2">
+            <a:schemeClr val="accent1">
+              <a:shade val="50000"/>
+            </a:schemeClr>
+          </a:lnRef>
+          <a:fillRef idx="1">
+            <a:schemeClr val="accent1"/>
+          </a:fillRef>
+          <a:effectRef idx="0">
+            <a:schemeClr val="accent1"/>
+          </a:effectRef>
+          <a:fontRef idx="minor">
+            <a:schemeClr val="lt1"/>
+          </a:fontRef>
+        </p:style>
+        <p:txBody>
+          <a:bodyPr rtlCol="0" anchor="ctr"/>
+          <a:lstStyle/>
+          <a:p>
+            <a:pPr algn="ctr"/>
+            <a:r>
+              <a:rPr lang="zh-CN" altLang="en-US" sz="1400" b="1" dirty="0">
+                <a:solidFill>
+                  <a:schemeClr val="tx1"/>
+                </a:solidFill>
+                <a:latin typeface="Times New Roman" panose="02020603050405020304" pitchFamily="18" charset="0"/>
+                <a:ea typeface="华文中宋" panose="02010600040101010101" pitchFamily="2" charset="-122"/>
+                <a:cs typeface="Times New Roman" panose="02020603050405020304" pitchFamily="18" charset="0"/>
+              </a:rPr>
+              <a:t>操 作 系统 </a:t>
+            </a:r>
+          </a:p>
+        </p:txBody>
+      </p:sp>
+      <p:sp>
+        <p:nvSpPr>
+          <p:cNvPr id="36" name="矩形 35">
+            <a:extLst>
+              <a:ext uri="{FF2B5EF4-FFF2-40B4-BE49-F238E27FC236}">
+                <a16:creationId xmlns:a16="http://schemas.microsoft.com/office/drawing/2014/main" id="{47561AE0-65D3-4A28-9C5A-04220C4662DE}"/>
+              </a:ext>
+            </a:extLst>
+          </p:cNvPr>
+          <p:cNvSpPr/>
+          <p:nvPr/>
+        </p:nvSpPr>
+        <p:spPr>
+          <a:xfrm>
+            <a:off x="4476518" y="730929"/>
+            <a:ext cx="900000" cy="405000"/>
+          </a:xfrm>
+          <a:prstGeom prst="rect">
+            <a:avLst/>
+          </a:prstGeom>
+          <a:noFill/>
+          <a:ln>
+            <a:noFill/>
+          </a:ln>
+        </p:spPr>
+        <p:style>
+          <a:lnRef idx="2">
+            <a:schemeClr val="accent1">
+              <a:shade val="50000"/>
+            </a:schemeClr>
+          </a:lnRef>
+          <a:fillRef idx="1">
+            <a:schemeClr val="accent1"/>
+          </a:fillRef>
+          <a:effectRef idx="0">
+            <a:schemeClr val="accent1"/>
+          </a:effectRef>
+          <a:fontRef idx="minor">
+            <a:schemeClr val="lt1"/>
+          </a:fontRef>
+        </p:style>
+        <p:txBody>
+          <a:bodyPr rtlCol="0" anchor="ctr"/>
+          <a:lstStyle/>
+          <a:p>
+            <a:pPr algn="ctr"/>
+            <a:r>
+              <a:rPr lang="zh-CN" altLang="en-US" sz="1400" b="1" dirty="0">
+                <a:solidFill>
+                  <a:schemeClr val="tx1"/>
+                </a:solidFill>
+                <a:latin typeface="Times New Roman" panose="02020603050405020304" pitchFamily="18" charset="0"/>
+                <a:ea typeface="华文中宋" panose="02010600040101010101" pitchFamily="2" charset="-122"/>
+                <a:cs typeface="Times New Roman" panose="02020603050405020304" pitchFamily="18" charset="0"/>
+              </a:rPr>
+              <a:t>进程</a:t>
+            </a:r>
+            <a:r>
+              <a:rPr lang="en-US" altLang="zh-CN" sz="1400" b="1" dirty="0">
+                <a:solidFill>
+                  <a:schemeClr val="tx1"/>
+                </a:solidFill>
+                <a:latin typeface="Times New Roman" panose="02020603050405020304" pitchFamily="18" charset="0"/>
+                <a:ea typeface="华文中宋" panose="02010600040101010101" pitchFamily="2" charset="-122"/>
+                <a:cs typeface="Times New Roman" panose="02020603050405020304" pitchFamily="18" charset="0"/>
+              </a:rPr>
+              <a:t>2</a:t>
+            </a:r>
+            <a:endParaRPr lang="zh-CN" altLang="en-US" sz="1400" b="1" dirty="0">
+              <a:solidFill>
+                <a:schemeClr val="tx1"/>
+              </a:solidFill>
+              <a:latin typeface="Times New Roman" panose="02020603050405020304" pitchFamily="18" charset="0"/>
+              <a:ea typeface="华文中宋" panose="02010600040101010101" pitchFamily="2" charset="-122"/>
+              <a:cs typeface="Times New Roman" panose="02020603050405020304" pitchFamily="18" charset="0"/>
+            </a:endParaRPr>
+          </a:p>
+        </p:txBody>
+      </p:sp>
+      <p:cxnSp>
+        <p:nvCxnSpPr>
+          <p:cNvPr id="6" name="直接箭头连接符 5">
+            <a:extLst>
+              <a:ext uri="{FF2B5EF4-FFF2-40B4-BE49-F238E27FC236}">
+                <a16:creationId xmlns:a16="http://schemas.microsoft.com/office/drawing/2014/main" id="{805F43B1-742B-4D06-8BB5-57705D87FDE7}"/>
+              </a:ext>
+            </a:extLst>
+          </p:cNvPr>
+          <p:cNvCxnSpPr>
+            <a:cxnSpLocks/>
+          </p:cNvCxnSpPr>
+          <p:nvPr/>
+        </p:nvCxnSpPr>
+        <p:spPr>
+          <a:xfrm>
+            <a:off x="1191000" y="1494000"/>
+            <a:ext cx="0" cy="630000"/>
+          </a:xfrm>
+          <a:prstGeom prst="straightConnector1">
+            <a:avLst/>
+          </a:prstGeom>
+          <a:ln w="50800">
+            <a:solidFill>
+              <a:schemeClr val="accent1">
+                <a:lumMod val="60000"/>
+                <a:lumOff val="40000"/>
+              </a:schemeClr>
+            </a:solidFill>
+            <a:tailEnd type="none"/>
+          </a:ln>
+        </p:spPr>
+        <p:style>
+          <a:lnRef idx="1">
+            <a:schemeClr val="accent1"/>
+          </a:lnRef>
+          <a:fillRef idx="0">
+            <a:schemeClr val="accent1"/>
+          </a:fillRef>
+          <a:effectRef idx="0">
+            <a:schemeClr val="accent1"/>
+          </a:effectRef>
+          <a:fontRef idx="minor">
+            <a:schemeClr val="tx1"/>
+          </a:fontRef>
+        </p:style>
+      </p:cxnSp>
+      <p:sp>
+        <p:nvSpPr>
+          <p:cNvPr id="38" name="矩形 37">
+            <a:extLst>
+              <a:ext uri="{FF2B5EF4-FFF2-40B4-BE49-F238E27FC236}">
+                <a16:creationId xmlns:a16="http://schemas.microsoft.com/office/drawing/2014/main" id="{FAECAA79-6E6F-4303-896F-BE3BDC8BB9D7}"/>
+              </a:ext>
+            </a:extLst>
+          </p:cNvPr>
+          <p:cNvSpPr/>
+          <p:nvPr/>
+        </p:nvSpPr>
+        <p:spPr>
+          <a:xfrm>
+            <a:off x="437268" y="1591371"/>
+            <a:ext cx="900000" cy="405000"/>
+          </a:xfrm>
+          <a:prstGeom prst="rect">
+            <a:avLst/>
+          </a:prstGeom>
+          <a:noFill/>
+          <a:ln>
+            <a:noFill/>
+          </a:ln>
+        </p:spPr>
+        <p:style>
+          <a:lnRef idx="2">
+            <a:schemeClr val="accent1">
+              <a:shade val="50000"/>
+            </a:schemeClr>
+          </a:lnRef>
+          <a:fillRef idx="1">
+            <a:schemeClr val="accent1"/>
+          </a:fillRef>
+          <a:effectRef idx="0">
+            <a:schemeClr val="accent1"/>
+          </a:effectRef>
+          <a:fontRef idx="minor">
+            <a:schemeClr val="lt1"/>
+          </a:fontRef>
+        </p:style>
+        <p:txBody>
+          <a:bodyPr rtlCol="0" anchor="ctr"/>
+          <a:lstStyle/>
+          <a:p>
+            <a:pPr algn="ctr"/>
+            <a:r>
+              <a:rPr lang="zh-CN" altLang="en-US" sz="1400" b="1" dirty="0">
+                <a:solidFill>
+                  <a:srgbClr val="8FAADC"/>
+                </a:solidFill>
+                <a:latin typeface="Times New Roman" panose="02020603050405020304" pitchFamily="18" charset="0"/>
+                <a:ea typeface="华文中宋" panose="02010600040101010101" pitchFamily="2" charset="-122"/>
+                <a:cs typeface="Times New Roman" panose="02020603050405020304" pitchFamily="18" charset="0"/>
+              </a:rPr>
+              <a:t>执行</a:t>
+            </a:r>
+          </a:p>
+        </p:txBody>
+      </p:sp>
+      <p:cxnSp>
+        <p:nvCxnSpPr>
+          <p:cNvPr id="42" name="直接连接符 41">
+            <a:extLst>
+              <a:ext uri="{FF2B5EF4-FFF2-40B4-BE49-F238E27FC236}">
+                <a16:creationId xmlns:a16="http://schemas.microsoft.com/office/drawing/2014/main" id="{9BAE8ACD-868D-424E-A836-BE705D58424E}"/>
+              </a:ext>
+            </a:extLst>
+          </p:cNvPr>
+          <p:cNvCxnSpPr>
+            <a:cxnSpLocks/>
+          </p:cNvCxnSpPr>
+          <p:nvPr/>
+        </p:nvCxnSpPr>
+        <p:spPr>
+          <a:xfrm>
+            <a:off x="1191000" y="2113511"/>
+            <a:ext cx="0" cy="2563580"/>
+          </a:xfrm>
+          <a:prstGeom prst="line">
+            <a:avLst/>
+          </a:prstGeom>
+          <a:ln w="50800">
+            <a:solidFill>
+              <a:srgbClr val="FF7C80"/>
+            </a:solidFill>
+          </a:ln>
+        </p:spPr>
+        <p:style>
+          <a:lnRef idx="1">
+            <a:schemeClr val="accent1"/>
+          </a:lnRef>
+          <a:fillRef idx="0">
+            <a:schemeClr val="accent1"/>
+          </a:fillRef>
+          <a:effectRef idx="0">
+            <a:schemeClr val="accent1"/>
+          </a:effectRef>
+          <a:fontRef idx="minor">
+            <a:schemeClr val="tx1"/>
+          </a:fontRef>
+        </p:style>
+      </p:cxnSp>
+      <p:sp>
+        <p:nvSpPr>
+          <p:cNvPr id="53" name="矩形 52">
+            <a:extLst>
+              <a:ext uri="{FF2B5EF4-FFF2-40B4-BE49-F238E27FC236}">
+                <a16:creationId xmlns:a16="http://schemas.microsoft.com/office/drawing/2014/main" id="{12B310DC-5688-444F-83AE-F3C6227BBB92}"/>
+              </a:ext>
+            </a:extLst>
+          </p:cNvPr>
+          <p:cNvSpPr/>
+          <p:nvPr/>
+        </p:nvSpPr>
+        <p:spPr>
+          <a:xfrm>
+            <a:off x="398255" y="3198045"/>
+            <a:ext cx="900000" cy="405000"/>
+          </a:xfrm>
+          <a:prstGeom prst="rect">
+            <a:avLst/>
+          </a:prstGeom>
+          <a:noFill/>
+          <a:ln>
+            <a:noFill/>
+          </a:ln>
+        </p:spPr>
+        <p:style>
+          <a:lnRef idx="2">
+            <a:schemeClr val="accent1">
+              <a:shade val="50000"/>
+            </a:schemeClr>
+          </a:lnRef>
+          <a:fillRef idx="1">
+            <a:schemeClr val="accent1"/>
+          </a:fillRef>
+          <a:effectRef idx="0">
+            <a:schemeClr val="accent1"/>
+          </a:effectRef>
+          <a:fontRef idx="minor">
+            <a:schemeClr val="lt1"/>
+          </a:fontRef>
+        </p:style>
+        <p:txBody>
+          <a:bodyPr rtlCol="0" anchor="ctr"/>
+          <a:lstStyle/>
+          <a:p>
+            <a:pPr algn="ctr"/>
+            <a:r>
+              <a:rPr lang="zh-CN" altLang="en-US" sz="1400" b="1" dirty="0">
+                <a:solidFill>
+                  <a:srgbClr val="FF7C80"/>
+                </a:solidFill>
+                <a:latin typeface="Times New Roman" panose="02020603050405020304" pitchFamily="18" charset="0"/>
+                <a:ea typeface="华文中宋" panose="02010600040101010101" pitchFamily="2" charset="-122"/>
+                <a:cs typeface="Times New Roman" panose="02020603050405020304" pitchFamily="18" charset="0"/>
+              </a:rPr>
+              <a:t>等待</a:t>
+            </a:r>
+          </a:p>
+        </p:txBody>
+      </p:sp>
+      <p:cxnSp>
+        <p:nvCxnSpPr>
+          <p:cNvPr id="17" name="直接连接符 16">
+            <a:extLst>
+              <a:ext uri="{FF2B5EF4-FFF2-40B4-BE49-F238E27FC236}">
+                <a16:creationId xmlns:a16="http://schemas.microsoft.com/office/drawing/2014/main" id="{129FC8F3-FD15-4D95-B671-970875428D02}"/>
+              </a:ext>
+            </a:extLst>
+          </p:cNvPr>
+          <p:cNvCxnSpPr>
+            <a:cxnSpLocks/>
+          </p:cNvCxnSpPr>
+          <p:nvPr/>
+        </p:nvCxnSpPr>
+        <p:spPr>
+          <a:xfrm>
+            <a:off x="1078500" y="2124000"/>
+            <a:ext cx="225000" cy="0"/>
+          </a:xfrm>
+          <a:prstGeom prst="line">
+            <a:avLst/>
+          </a:prstGeom>
+          <a:ln w="38100">
+            <a:solidFill>
+              <a:schemeClr val="tx1"/>
+            </a:solidFill>
+          </a:ln>
+        </p:spPr>
+        <p:style>
+          <a:lnRef idx="1">
+            <a:schemeClr val="accent1"/>
+          </a:lnRef>
+          <a:fillRef idx="0">
+            <a:schemeClr val="accent1"/>
+          </a:fillRef>
+          <a:effectRef idx="0">
+            <a:schemeClr val="accent1"/>
+          </a:effectRef>
+          <a:fontRef idx="minor">
+            <a:schemeClr val="tx1"/>
+          </a:fontRef>
+        </p:style>
+      </p:cxnSp>
+      <p:cxnSp>
+        <p:nvCxnSpPr>
+          <p:cNvPr id="52" name="直接连接符 51">
+            <a:extLst>
+              <a:ext uri="{FF2B5EF4-FFF2-40B4-BE49-F238E27FC236}">
+                <a16:creationId xmlns:a16="http://schemas.microsoft.com/office/drawing/2014/main" id="{61A75D67-50A3-4D34-82ED-41D0CCFC812F}"/>
+              </a:ext>
+            </a:extLst>
+          </p:cNvPr>
+          <p:cNvCxnSpPr>
+            <a:cxnSpLocks/>
+          </p:cNvCxnSpPr>
+          <p:nvPr/>
+        </p:nvCxnSpPr>
+        <p:spPr>
+          <a:xfrm>
+            <a:off x="1078500" y="4690741"/>
+            <a:ext cx="225000" cy="0"/>
+          </a:xfrm>
+          <a:prstGeom prst="line">
+            <a:avLst/>
+          </a:prstGeom>
+          <a:ln w="38100">
+            <a:solidFill>
+              <a:schemeClr val="tx1"/>
+            </a:solidFill>
+          </a:ln>
+        </p:spPr>
+        <p:style>
+          <a:lnRef idx="1">
+            <a:schemeClr val="accent1"/>
+          </a:lnRef>
+          <a:fillRef idx="0">
+            <a:schemeClr val="accent1"/>
+          </a:fillRef>
+          <a:effectRef idx="0">
+            <a:schemeClr val="accent1"/>
+          </a:effectRef>
+          <a:fontRef idx="minor">
+            <a:schemeClr val="tx1"/>
+          </a:fontRef>
+        </p:style>
+      </p:cxnSp>
+      <p:cxnSp>
+        <p:nvCxnSpPr>
+          <p:cNvPr id="59" name="直接连接符 58">
+            <a:extLst>
+              <a:ext uri="{FF2B5EF4-FFF2-40B4-BE49-F238E27FC236}">
+                <a16:creationId xmlns:a16="http://schemas.microsoft.com/office/drawing/2014/main" id="{60700E60-2E62-4DD3-816B-2D11ABFD0E2F}"/>
+              </a:ext>
+            </a:extLst>
+          </p:cNvPr>
+          <p:cNvCxnSpPr>
+            <a:cxnSpLocks/>
+          </p:cNvCxnSpPr>
+          <p:nvPr/>
+        </p:nvCxnSpPr>
+        <p:spPr>
+          <a:xfrm>
+            <a:off x="1078500" y="1494000"/>
+            <a:ext cx="225000" cy="0"/>
+          </a:xfrm>
+          <a:prstGeom prst="line">
+            <a:avLst/>
+          </a:prstGeom>
+          <a:ln w="38100">
+            <a:solidFill>
+              <a:schemeClr val="tx1"/>
+            </a:solidFill>
+          </a:ln>
+        </p:spPr>
+        <p:style>
+          <a:lnRef idx="1">
+            <a:schemeClr val="accent1"/>
+          </a:lnRef>
+          <a:fillRef idx="0">
+            <a:schemeClr val="accent1"/>
+          </a:fillRef>
+          <a:effectRef idx="0">
+            <a:schemeClr val="accent1"/>
+          </a:effectRef>
+          <a:fontRef idx="minor">
+            <a:schemeClr val="tx1"/>
+          </a:fontRef>
+        </p:style>
+      </p:cxnSp>
+      <p:sp>
+        <p:nvSpPr>
+          <p:cNvPr id="62" name="矩形 61">
+            <a:extLst>
+              <a:ext uri="{FF2B5EF4-FFF2-40B4-BE49-F238E27FC236}">
+                <a16:creationId xmlns:a16="http://schemas.microsoft.com/office/drawing/2014/main" id="{C8346DF1-3EED-401F-A768-D1ADAAAB5935}"/>
+              </a:ext>
+            </a:extLst>
+          </p:cNvPr>
+          <p:cNvSpPr/>
+          <p:nvPr/>
+        </p:nvSpPr>
+        <p:spPr>
+          <a:xfrm>
+            <a:off x="3098924" y="3265890"/>
+            <a:ext cx="1709999" cy="405000"/>
+          </a:xfrm>
+          <a:prstGeom prst="rect">
+            <a:avLst/>
+          </a:prstGeom>
+          <a:noFill/>
+          <a:ln>
+            <a:noFill/>
+          </a:ln>
+        </p:spPr>
+        <p:style>
+          <a:lnRef idx="2">
+            <a:schemeClr val="accent1">
+              <a:shade val="50000"/>
+            </a:schemeClr>
+          </a:lnRef>
+          <a:fillRef idx="1">
+            <a:schemeClr val="accent1"/>
+          </a:fillRef>
+          <a:effectRef idx="0">
+            <a:schemeClr val="accent1"/>
+          </a:effectRef>
+          <a:fontRef idx="minor">
+            <a:schemeClr val="lt1"/>
+          </a:fontRef>
+        </p:style>
+        <p:txBody>
+          <a:bodyPr rtlCol="0" anchor="ctr"/>
+          <a:lstStyle/>
+          <a:p>
+            <a:pPr algn="ctr"/>
+            <a:r>
+              <a:rPr lang="zh-CN" altLang="en-US" sz="1400" b="1" dirty="0">
+                <a:solidFill>
+                  <a:srgbClr val="FF0000"/>
+                </a:solidFill>
+                <a:latin typeface="Times New Roman" panose="02020603050405020304" pitchFamily="18" charset="0"/>
+                <a:ea typeface="华文中宋" panose="02010600040101010101" pitchFamily="2" charset="-122"/>
+                <a:cs typeface="Times New Roman" panose="02020603050405020304" pitchFamily="18" charset="0"/>
+              </a:rPr>
+              <a:t>中断</a:t>
+            </a:r>
+            <a:r>
+              <a:rPr lang="zh-CN" altLang="en-US" sz="1400" b="1" dirty="0">
+                <a:solidFill>
+                  <a:schemeClr val="tx1"/>
+                </a:solidFill>
+                <a:latin typeface="Times New Roman" panose="02020603050405020304" pitchFamily="18" charset="0"/>
+                <a:ea typeface="华文中宋" panose="02010600040101010101" pitchFamily="2" charset="-122"/>
+                <a:cs typeface="Times New Roman" panose="02020603050405020304" pitchFamily="18" charset="0"/>
+              </a:rPr>
+              <a:t>或</a:t>
+            </a:r>
+            <a:r>
+              <a:rPr lang="zh-CN" altLang="en-US" sz="1400" b="1" dirty="0">
+                <a:solidFill>
+                  <a:srgbClr val="FF0000"/>
+                </a:solidFill>
+                <a:latin typeface="Times New Roman" panose="02020603050405020304" pitchFamily="18" charset="0"/>
+                <a:ea typeface="华文中宋" panose="02010600040101010101" pitchFamily="2" charset="-122"/>
+                <a:cs typeface="Times New Roman" panose="02020603050405020304" pitchFamily="18" charset="0"/>
+              </a:rPr>
+              <a:t>系统调用</a:t>
+            </a:r>
+          </a:p>
+        </p:txBody>
+      </p:sp>
+      <p:sp>
+        <p:nvSpPr>
+          <p:cNvPr id="63" name="矩形 62">
+            <a:extLst>
+              <a:ext uri="{FF2B5EF4-FFF2-40B4-BE49-F238E27FC236}">
+                <a16:creationId xmlns:a16="http://schemas.microsoft.com/office/drawing/2014/main" id="{77D1EEEC-6B39-4D28-8820-0F150D6186BE}"/>
+              </a:ext>
+            </a:extLst>
+          </p:cNvPr>
+          <p:cNvSpPr/>
+          <p:nvPr/>
+        </p:nvSpPr>
+        <p:spPr>
+          <a:xfrm>
+            <a:off x="2006429" y="1854000"/>
+            <a:ext cx="2103351" cy="405000"/>
+          </a:xfrm>
+          <a:prstGeom prst="rect">
+            <a:avLst/>
+          </a:prstGeom>
+          <a:solidFill>
+            <a:schemeClr val="accent6">
+              <a:lumMod val="40000"/>
+              <a:lumOff val="60000"/>
+            </a:schemeClr>
+          </a:solidFill>
+          <a:ln w="38100">
+            <a:solidFill>
+              <a:schemeClr val="accent6">
+                <a:lumMod val="75000"/>
+              </a:schemeClr>
+            </a:solidFill>
+          </a:ln>
+        </p:spPr>
+        <p:style>
+          <a:lnRef idx="2">
+            <a:schemeClr val="accent1">
+              <a:shade val="50000"/>
+            </a:schemeClr>
+          </a:lnRef>
+          <a:fillRef idx="1">
+            <a:schemeClr val="accent1"/>
+          </a:fillRef>
+          <a:effectRef idx="0">
+            <a:schemeClr val="accent1"/>
+          </a:effectRef>
+          <a:fontRef idx="minor">
+            <a:schemeClr val="lt1"/>
+          </a:fontRef>
+        </p:style>
+        <p:txBody>
+          <a:bodyPr rtlCol="0" anchor="ctr"/>
+          <a:lstStyle/>
+          <a:p>
+            <a:pPr algn="ctr"/>
+            <a:r>
+              <a:rPr lang="zh-CN" altLang="en-US" sz="1400" b="1" dirty="0">
+                <a:solidFill>
+                  <a:schemeClr val="tx1"/>
+                </a:solidFill>
+                <a:latin typeface="Times New Roman" panose="02020603050405020304" pitchFamily="18" charset="0"/>
+                <a:ea typeface="华文中宋" panose="02010600040101010101" pitchFamily="2" charset="-122"/>
+                <a:cs typeface="Times New Roman" panose="02020603050405020304" pitchFamily="18" charset="0"/>
+              </a:rPr>
+              <a:t>保存状态到</a:t>
+            </a:r>
+            <a:r>
+              <a:rPr lang="en-US" altLang="zh-CN" sz="1400" b="1" dirty="0">
+                <a:solidFill>
+                  <a:schemeClr val="tx1"/>
+                </a:solidFill>
+                <a:latin typeface="Times New Roman" panose="02020603050405020304" pitchFamily="18" charset="0"/>
+                <a:ea typeface="华文中宋" panose="02010600040101010101" pitchFamily="2" charset="-122"/>
+                <a:cs typeface="Times New Roman" panose="02020603050405020304" pitchFamily="18" charset="0"/>
+              </a:rPr>
+              <a:t>PCB</a:t>
+            </a:r>
+            <a:r>
+              <a:rPr lang="en-US" altLang="zh-CN" sz="1400" b="1" baseline="-25000" dirty="0">
+                <a:solidFill>
+                  <a:schemeClr val="tx1"/>
+                </a:solidFill>
+                <a:latin typeface="Times New Roman" panose="02020603050405020304" pitchFamily="18" charset="0"/>
+                <a:ea typeface="华文中宋" panose="02010600040101010101" pitchFamily="2" charset="-122"/>
+                <a:cs typeface="Times New Roman" panose="02020603050405020304" pitchFamily="18" charset="0"/>
+              </a:rPr>
+              <a:t>1</a:t>
+            </a:r>
+            <a:endParaRPr lang="zh-CN" altLang="en-US" sz="1400" b="1" baseline="-25000" dirty="0">
+              <a:solidFill>
+                <a:schemeClr val="tx1"/>
+              </a:solidFill>
+              <a:latin typeface="Times New Roman" panose="02020603050405020304" pitchFamily="18" charset="0"/>
+              <a:ea typeface="华文中宋" panose="02010600040101010101" pitchFamily="2" charset="-122"/>
+              <a:cs typeface="Times New Roman" panose="02020603050405020304" pitchFamily="18" charset="0"/>
+            </a:endParaRPr>
+          </a:p>
+        </p:txBody>
+      </p:sp>
+      <p:sp>
+        <p:nvSpPr>
+          <p:cNvPr id="64" name="矩形 63">
+            <a:extLst>
+              <a:ext uri="{FF2B5EF4-FFF2-40B4-BE49-F238E27FC236}">
+                <a16:creationId xmlns:a16="http://schemas.microsoft.com/office/drawing/2014/main" id="{62A109AC-FB12-4F2F-B1D5-9D6B4985F36D}"/>
+              </a:ext>
+            </a:extLst>
+          </p:cNvPr>
+          <p:cNvSpPr/>
+          <p:nvPr/>
+        </p:nvSpPr>
+        <p:spPr>
+          <a:xfrm>
+            <a:off x="2011858" y="2484000"/>
+            <a:ext cx="2092493" cy="405000"/>
+          </a:xfrm>
+          <a:prstGeom prst="rect">
+            <a:avLst/>
+          </a:prstGeom>
+          <a:solidFill>
+            <a:schemeClr val="accent6">
+              <a:lumMod val="40000"/>
+              <a:lumOff val="60000"/>
+            </a:schemeClr>
+          </a:solidFill>
+          <a:ln w="38100">
+            <a:solidFill>
+              <a:schemeClr val="accent6">
+                <a:lumMod val="75000"/>
+              </a:schemeClr>
+            </a:solidFill>
+          </a:ln>
+        </p:spPr>
+        <p:style>
+          <a:lnRef idx="2">
+            <a:schemeClr val="accent1">
+              <a:shade val="50000"/>
+            </a:schemeClr>
+          </a:lnRef>
+          <a:fillRef idx="1">
+            <a:schemeClr val="accent1"/>
+          </a:fillRef>
+          <a:effectRef idx="0">
+            <a:schemeClr val="accent1"/>
+          </a:effectRef>
+          <a:fontRef idx="minor">
+            <a:schemeClr val="lt1"/>
+          </a:fontRef>
+        </p:style>
+        <p:txBody>
+          <a:bodyPr rtlCol="0" anchor="ctr"/>
+          <a:lstStyle/>
+          <a:p>
+            <a:pPr algn="ctr"/>
+            <a:r>
+              <a:rPr lang="zh-CN" altLang="en-US" sz="1400" b="1" dirty="0">
+                <a:solidFill>
+                  <a:schemeClr val="tx1"/>
+                </a:solidFill>
+                <a:latin typeface="Times New Roman" panose="02020603050405020304" pitchFamily="18" charset="0"/>
+                <a:ea typeface="华文中宋" panose="02010600040101010101" pitchFamily="2" charset="-122"/>
+                <a:cs typeface="Times New Roman" panose="02020603050405020304" pitchFamily="18" charset="0"/>
+              </a:rPr>
+              <a:t>重新加载</a:t>
+            </a:r>
+            <a:r>
+              <a:rPr lang="en-US" altLang="zh-CN" sz="1400" b="1" dirty="0">
+                <a:solidFill>
+                  <a:schemeClr val="tx1"/>
+                </a:solidFill>
+                <a:latin typeface="Times New Roman" panose="02020603050405020304" pitchFamily="18" charset="0"/>
+                <a:ea typeface="华文中宋" panose="02010600040101010101" pitchFamily="2" charset="-122"/>
+                <a:cs typeface="Times New Roman" panose="02020603050405020304" pitchFamily="18" charset="0"/>
+              </a:rPr>
+              <a:t>PCB</a:t>
+            </a:r>
+            <a:r>
+              <a:rPr lang="en-US" altLang="zh-CN" sz="1400" b="1" baseline="-25000" dirty="0">
+                <a:solidFill>
+                  <a:schemeClr val="tx1"/>
+                </a:solidFill>
+                <a:latin typeface="Times New Roman" panose="02020603050405020304" pitchFamily="18" charset="0"/>
+                <a:ea typeface="华文中宋" panose="02010600040101010101" pitchFamily="2" charset="-122"/>
+                <a:cs typeface="Times New Roman" panose="02020603050405020304" pitchFamily="18" charset="0"/>
+              </a:rPr>
+              <a:t>2</a:t>
+            </a:r>
+            <a:r>
+              <a:rPr lang="zh-CN" altLang="en-US" sz="1400" b="1" dirty="0">
+                <a:solidFill>
+                  <a:schemeClr val="tx1"/>
+                </a:solidFill>
+                <a:latin typeface="Times New Roman" panose="02020603050405020304" pitchFamily="18" charset="0"/>
+                <a:ea typeface="华文中宋" panose="02010600040101010101" pitchFamily="2" charset="-122"/>
+                <a:cs typeface="Times New Roman" panose="02020603050405020304" pitchFamily="18" charset="0"/>
+              </a:rPr>
+              <a:t>的状态</a:t>
+            </a:r>
+            <a:endParaRPr lang="zh-CN" altLang="en-US" sz="1400" b="1" baseline="-25000" dirty="0">
+              <a:solidFill>
+                <a:schemeClr val="tx1"/>
+              </a:solidFill>
+              <a:latin typeface="Times New Roman" panose="02020603050405020304" pitchFamily="18" charset="0"/>
+              <a:ea typeface="华文中宋" panose="02010600040101010101" pitchFamily="2" charset="-122"/>
+              <a:cs typeface="Times New Roman" panose="02020603050405020304" pitchFamily="18" charset="0"/>
+            </a:endParaRPr>
+          </a:p>
+        </p:txBody>
+      </p:sp>
+      <p:sp>
+        <p:nvSpPr>
+          <p:cNvPr id="70" name="矩形 69">
+            <a:extLst>
+              <a:ext uri="{FF2B5EF4-FFF2-40B4-BE49-F238E27FC236}">
+                <a16:creationId xmlns:a16="http://schemas.microsoft.com/office/drawing/2014/main" id="{0F6DCF1D-5D56-4755-9A0E-D5CC97D7B617}"/>
+              </a:ext>
+            </a:extLst>
+          </p:cNvPr>
+          <p:cNvSpPr/>
+          <p:nvPr/>
+        </p:nvSpPr>
+        <p:spPr>
+          <a:xfrm>
+            <a:off x="2038615" y="3890431"/>
+            <a:ext cx="2103351" cy="405000"/>
+          </a:xfrm>
+          <a:prstGeom prst="rect">
+            <a:avLst/>
+          </a:prstGeom>
+          <a:solidFill>
+            <a:schemeClr val="accent6">
+              <a:lumMod val="40000"/>
+              <a:lumOff val="60000"/>
+            </a:schemeClr>
+          </a:solidFill>
+          <a:ln w="38100">
+            <a:solidFill>
+              <a:schemeClr val="accent6">
+                <a:lumMod val="75000"/>
+              </a:schemeClr>
+            </a:solidFill>
+          </a:ln>
+        </p:spPr>
+        <p:style>
+          <a:lnRef idx="2">
+            <a:schemeClr val="accent1">
+              <a:shade val="50000"/>
+            </a:schemeClr>
+          </a:lnRef>
+          <a:fillRef idx="1">
+            <a:schemeClr val="accent1"/>
+          </a:fillRef>
+          <a:effectRef idx="0">
+            <a:schemeClr val="accent1"/>
+          </a:effectRef>
+          <a:fontRef idx="minor">
+            <a:schemeClr val="lt1"/>
+          </a:fontRef>
+        </p:style>
+        <p:txBody>
+          <a:bodyPr rtlCol="0" anchor="ctr"/>
+          <a:lstStyle/>
+          <a:p>
+            <a:pPr algn="ctr"/>
+            <a:r>
+              <a:rPr lang="zh-CN" altLang="en-US" sz="1400" b="1" dirty="0">
+                <a:solidFill>
+                  <a:schemeClr val="tx1"/>
+                </a:solidFill>
+                <a:latin typeface="Times New Roman" panose="02020603050405020304" pitchFamily="18" charset="0"/>
+                <a:ea typeface="华文中宋" panose="02010600040101010101" pitchFamily="2" charset="-122"/>
+                <a:cs typeface="Times New Roman" panose="02020603050405020304" pitchFamily="18" charset="0"/>
+              </a:rPr>
+              <a:t>保存状态到</a:t>
+            </a:r>
+            <a:r>
+              <a:rPr lang="en-US" altLang="zh-CN" sz="1400" b="1" dirty="0">
+                <a:solidFill>
+                  <a:schemeClr val="tx1"/>
+                </a:solidFill>
+                <a:latin typeface="Times New Roman" panose="02020603050405020304" pitchFamily="18" charset="0"/>
+                <a:ea typeface="华文中宋" panose="02010600040101010101" pitchFamily="2" charset="-122"/>
+                <a:cs typeface="Times New Roman" panose="02020603050405020304" pitchFamily="18" charset="0"/>
+              </a:rPr>
+              <a:t>PCB</a:t>
+            </a:r>
+            <a:r>
+              <a:rPr lang="en-US" altLang="zh-CN" sz="1400" b="1" baseline="-25000" dirty="0">
+                <a:solidFill>
+                  <a:schemeClr val="tx1"/>
+                </a:solidFill>
+                <a:latin typeface="Times New Roman" panose="02020603050405020304" pitchFamily="18" charset="0"/>
+                <a:ea typeface="华文中宋" panose="02010600040101010101" pitchFamily="2" charset="-122"/>
+                <a:cs typeface="Times New Roman" panose="02020603050405020304" pitchFamily="18" charset="0"/>
+              </a:rPr>
+              <a:t>2</a:t>
+            </a:r>
+            <a:endParaRPr lang="zh-CN" altLang="en-US" sz="1400" b="1" baseline="-25000" dirty="0">
+              <a:solidFill>
+                <a:schemeClr val="tx1"/>
+              </a:solidFill>
+              <a:latin typeface="Times New Roman" panose="02020603050405020304" pitchFamily="18" charset="0"/>
+              <a:ea typeface="华文中宋" panose="02010600040101010101" pitchFamily="2" charset="-122"/>
+              <a:cs typeface="Times New Roman" panose="02020603050405020304" pitchFamily="18" charset="0"/>
+            </a:endParaRPr>
+          </a:p>
+        </p:txBody>
+      </p:sp>
+      <p:sp>
+        <p:nvSpPr>
+          <p:cNvPr id="72" name="矩形 71">
+            <a:extLst>
+              <a:ext uri="{FF2B5EF4-FFF2-40B4-BE49-F238E27FC236}">
+                <a16:creationId xmlns:a16="http://schemas.microsoft.com/office/drawing/2014/main" id="{9F5C2511-0B36-4327-9061-23E2153F31C9}"/>
+              </a:ext>
+            </a:extLst>
+          </p:cNvPr>
+          <p:cNvSpPr/>
+          <p:nvPr/>
+        </p:nvSpPr>
+        <p:spPr>
+          <a:xfrm>
+            <a:off x="2038615" y="4548746"/>
+            <a:ext cx="2092493" cy="405000"/>
+          </a:xfrm>
+          <a:prstGeom prst="rect">
+            <a:avLst/>
+          </a:prstGeom>
+          <a:solidFill>
+            <a:schemeClr val="accent6">
+              <a:lumMod val="40000"/>
+              <a:lumOff val="60000"/>
+            </a:schemeClr>
+          </a:solidFill>
+          <a:ln w="38100">
+            <a:solidFill>
+              <a:schemeClr val="accent6">
+                <a:lumMod val="75000"/>
+              </a:schemeClr>
+            </a:solidFill>
+          </a:ln>
+        </p:spPr>
+        <p:style>
+          <a:lnRef idx="2">
+            <a:schemeClr val="accent1">
+              <a:shade val="50000"/>
+            </a:schemeClr>
+          </a:lnRef>
+          <a:fillRef idx="1">
+            <a:schemeClr val="accent1"/>
+          </a:fillRef>
+          <a:effectRef idx="0">
+            <a:schemeClr val="accent1"/>
+          </a:effectRef>
+          <a:fontRef idx="minor">
+            <a:schemeClr val="lt1"/>
+          </a:fontRef>
+        </p:style>
+        <p:txBody>
+          <a:bodyPr rtlCol="0" anchor="ctr"/>
+          <a:lstStyle/>
+          <a:p>
+            <a:pPr algn="ctr"/>
+            <a:r>
+              <a:rPr lang="zh-CN" altLang="en-US" sz="1400" b="1" dirty="0">
+                <a:solidFill>
+                  <a:schemeClr val="tx1"/>
+                </a:solidFill>
+                <a:latin typeface="Times New Roman" panose="02020603050405020304" pitchFamily="18" charset="0"/>
+                <a:ea typeface="华文中宋" panose="02010600040101010101" pitchFamily="2" charset="-122"/>
+                <a:cs typeface="Times New Roman" panose="02020603050405020304" pitchFamily="18" charset="0"/>
+              </a:rPr>
+              <a:t>重新加载</a:t>
+            </a:r>
+            <a:r>
+              <a:rPr lang="en-US" altLang="zh-CN" sz="1400" b="1" dirty="0">
+                <a:solidFill>
+                  <a:schemeClr val="tx1"/>
+                </a:solidFill>
+                <a:latin typeface="Times New Roman" panose="02020603050405020304" pitchFamily="18" charset="0"/>
+                <a:ea typeface="华文中宋" panose="02010600040101010101" pitchFamily="2" charset="-122"/>
+                <a:cs typeface="Times New Roman" panose="02020603050405020304" pitchFamily="18" charset="0"/>
+              </a:rPr>
+              <a:t>PCB</a:t>
+            </a:r>
+            <a:r>
+              <a:rPr lang="en-US" altLang="zh-CN" sz="1400" b="1" baseline="-25000" dirty="0">
+                <a:solidFill>
+                  <a:schemeClr val="tx1"/>
+                </a:solidFill>
+                <a:latin typeface="Times New Roman" panose="02020603050405020304" pitchFamily="18" charset="0"/>
+                <a:ea typeface="华文中宋" panose="02010600040101010101" pitchFamily="2" charset="-122"/>
+                <a:cs typeface="Times New Roman" panose="02020603050405020304" pitchFamily="18" charset="0"/>
+              </a:rPr>
+              <a:t>1</a:t>
+            </a:r>
+            <a:r>
+              <a:rPr lang="zh-CN" altLang="en-US" sz="1400" b="1" dirty="0">
+                <a:solidFill>
+                  <a:schemeClr val="tx1"/>
+                </a:solidFill>
+                <a:latin typeface="Times New Roman" panose="02020603050405020304" pitchFamily="18" charset="0"/>
+                <a:ea typeface="华文中宋" panose="02010600040101010101" pitchFamily="2" charset="-122"/>
+                <a:cs typeface="Times New Roman" panose="02020603050405020304" pitchFamily="18" charset="0"/>
+              </a:rPr>
+              <a:t>的状态</a:t>
+            </a:r>
+            <a:endParaRPr lang="zh-CN" altLang="en-US" sz="1400" b="1" baseline="-25000" dirty="0">
+              <a:solidFill>
+                <a:schemeClr val="tx1"/>
+              </a:solidFill>
+              <a:latin typeface="Times New Roman" panose="02020603050405020304" pitchFamily="18" charset="0"/>
+              <a:ea typeface="华文中宋" panose="02010600040101010101" pitchFamily="2" charset="-122"/>
+              <a:cs typeface="Times New Roman" panose="02020603050405020304" pitchFamily="18" charset="0"/>
+            </a:endParaRPr>
+          </a:p>
+        </p:txBody>
+      </p:sp>
+      <p:sp>
+        <p:nvSpPr>
+          <p:cNvPr id="80" name="矩形 79">
+            <a:extLst>
+              <a:ext uri="{FF2B5EF4-FFF2-40B4-BE49-F238E27FC236}">
+                <a16:creationId xmlns:a16="http://schemas.microsoft.com/office/drawing/2014/main" id="{A2E7BD15-18AF-44D1-8C7E-30B76643FBE3}"/>
+              </a:ext>
+            </a:extLst>
+          </p:cNvPr>
+          <p:cNvSpPr/>
+          <p:nvPr/>
+        </p:nvSpPr>
+        <p:spPr>
+          <a:xfrm>
+            <a:off x="1265400" y="1606310"/>
+            <a:ext cx="1792704" cy="533479"/>
+          </a:xfrm>
+          <a:custGeom>
+            <a:avLst/>
+            <a:gdLst>
+              <a:gd name="connsiteX0" fmla="*/ 0 w 864322"/>
+              <a:gd name="connsiteY0" fmla="*/ 0 h 542283"/>
+              <a:gd name="connsiteX1" fmla="*/ 864322 w 864322"/>
+              <a:gd name="connsiteY1" fmla="*/ 0 h 542283"/>
+              <a:gd name="connsiteX2" fmla="*/ 864322 w 864322"/>
+              <a:gd name="connsiteY2" fmla="*/ 542283 h 542283"/>
+              <a:gd name="connsiteX3" fmla="*/ 0 w 864322"/>
+              <a:gd name="connsiteY3" fmla="*/ 542283 h 542283"/>
+              <a:gd name="connsiteX4" fmla="*/ 0 w 864322"/>
+              <a:gd name="connsiteY4" fmla="*/ 0 h 542283"/>
+              <a:gd name="connsiteX0" fmla="*/ 0 w 864322"/>
+              <a:gd name="connsiteY0" fmla="*/ 542283 h 633723"/>
+              <a:gd name="connsiteX1" fmla="*/ 0 w 864322"/>
+              <a:gd name="connsiteY1" fmla="*/ 0 h 633723"/>
+              <a:gd name="connsiteX2" fmla="*/ 864322 w 864322"/>
+              <a:gd name="connsiteY2" fmla="*/ 0 h 633723"/>
+              <a:gd name="connsiteX3" fmla="*/ 864322 w 864322"/>
+              <a:gd name="connsiteY3" fmla="*/ 542283 h 633723"/>
+              <a:gd name="connsiteX4" fmla="*/ 91440 w 864322"/>
+              <a:gd name="connsiteY4" fmla="*/ 633723 h 633723"/>
+              <a:gd name="connsiteX0" fmla="*/ 0 w 864322"/>
+              <a:gd name="connsiteY0" fmla="*/ 542283 h 542283"/>
+              <a:gd name="connsiteX1" fmla="*/ 0 w 864322"/>
+              <a:gd name="connsiteY1" fmla="*/ 0 h 542283"/>
+              <a:gd name="connsiteX2" fmla="*/ 864322 w 864322"/>
+              <a:gd name="connsiteY2" fmla="*/ 0 h 542283"/>
+              <a:gd name="connsiteX3" fmla="*/ 864322 w 864322"/>
+              <a:gd name="connsiteY3" fmla="*/ 542283 h 542283"/>
+              <a:gd name="connsiteX0" fmla="*/ 0 w 1458682"/>
+              <a:gd name="connsiteY0" fmla="*/ 443223 h 542283"/>
+              <a:gd name="connsiteX1" fmla="*/ 594360 w 1458682"/>
+              <a:gd name="connsiteY1" fmla="*/ 0 h 542283"/>
+              <a:gd name="connsiteX2" fmla="*/ 1458682 w 1458682"/>
+              <a:gd name="connsiteY2" fmla="*/ 0 h 542283"/>
+              <a:gd name="connsiteX3" fmla="*/ 1458682 w 1458682"/>
+              <a:gd name="connsiteY3" fmla="*/ 542283 h 542283"/>
+              <a:gd name="connsiteX0" fmla="*/ 0 w 1497440"/>
+              <a:gd name="connsiteY0" fmla="*/ 1083215 h 1083215"/>
+              <a:gd name="connsiteX1" fmla="*/ 633118 w 1497440"/>
+              <a:gd name="connsiteY1" fmla="*/ 0 h 1083215"/>
+              <a:gd name="connsiteX2" fmla="*/ 1497440 w 1497440"/>
+              <a:gd name="connsiteY2" fmla="*/ 0 h 1083215"/>
+              <a:gd name="connsiteX3" fmla="*/ 1497440 w 1497440"/>
+              <a:gd name="connsiteY3" fmla="*/ 542283 h 1083215"/>
+              <a:gd name="connsiteX0" fmla="*/ 0 w 1529956"/>
+              <a:gd name="connsiteY0" fmla="*/ 1166526 h 1166526"/>
+              <a:gd name="connsiteX1" fmla="*/ 665634 w 1529956"/>
+              <a:gd name="connsiteY1" fmla="*/ 0 h 1166526"/>
+              <a:gd name="connsiteX2" fmla="*/ 1529956 w 1529956"/>
+              <a:gd name="connsiteY2" fmla="*/ 0 h 1166526"/>
+              <a:gd name="connsiteX3" fmla="*/ 1529956 w 1529956"/>
+              <a:gd name="connsiteY3" fmla="*/ 542283 h 1166526"/>
+            </a:gdLst>
+            <a:ahLst/>
+            <a:cxnLst>
+              <a:cxn ang="0">
+                <a:pos x="connsiteX0" y="connsiteY0"/>
+              </a:cxn>
+              <a:cxn ang="0">
+                <a:pos x="connsiteX1" y="connsiteY1"/>
+              </a:cxn>
+              <a:cxn ang="0">
+                <a:pos x="connsiteX2" y="connsiteY2"/>
+              </a:cxn>
+              <a:cxn ang="0">
+                <a:pos x="connsiteX3" y="connsiteY3"/>
+              </a:cxn>
+            </a:cxnLst>
+            <a:rect l="l" t="t" r="r" b="b"/>
+            <a:pathLst>
+              <a:path w="1529956" h="1166526">
+                <a:moveTo>
+                  <a:pt x="0" y="1166526"/>
+                </a:moveTo>
+                <a:lnTo>
+                  <a:pt x="665634" y="0"/>
+                </a:lnTo>
+                <a:lnTo>
+                  <a:pt x="1529956" y="0"/>
+                </a:lnTo>
+                <a:lnTo>
+                  <a:pt x="1529956" y="542283"/>
+                </a:lnTo>
+              </a:path>
+            </a:pathLst>
+          </a:custGeom>
+          <a:noFill/>
+          <a:ln w="38100">
+            <a:solidFill>
+              <a:srgbClr val="8FAADC"/>
+            </a:solidFill>
+            <a:tailEnd type="triangle" w="med" len="sm"/>
+          </a:ln>
+        </p:spPr>
+        <p:style>
+          <a:lnRef idx="2">
+            <a:schemeClr val="accent1">
+              <a:shade val="50000"/>
+            </a:schemeClr>
+          </a:lnRef>
+          <a:fillRef idx="1">
+            <a:schemeClr val="accent1"/>
+          </a:fillRef>
+          <a:effectRef idx="0">
+            <a:schemeClr val="accent1"/>
+          </a:effectRef>
+          <a:fontRef idx="minor">
+            <a:schemeClr val="lt1"/>
+          </a:fontRef>
+        </p:style>
+        <p:txBody>
+          <a:bodyPr rot="0" spcFirstLastPara="0" vertOverflow="overflow" horzOverflow="overflow" vert="horz" wrap="square" lIns="91440" tIns="45720" rIns="91440" bIns="45720" numCol="1" spcCol="0" rtlCol="0" fromWordArt="0" anchor="ctr" anchorCtr="0" forceAA="0" compatLnSpc="1">
+            <a:prstTxWarp prst="textNoShape">
+              <a:avLst/>
+            </a:prstTxWarp>
+            <a:noAutofit/>
+          </a:bodyPr>
+          <a:lstStyle/>
+          <a:p>
+            <a:pPr algn="ctr"/>
+            <a:endParaRPr lang="zh-CN" altLang="en-US"/>
+          </a:p>
+        </p:txBody>
+      </p:sp>
+      <p:cxnSp>
+        <p:nvCxnSpPr>
+          <p:cNvPr id="86" name="直接箭头连接符 85">
+            <a:extLst>
+              <a:ext uri="{FF2B5EF4-FFF2-40B4-BE49-F238E27FC236}">
+                <a16:creationId xmlns:a16="http://schemas.microsoft.com/office/drawing/2014/main" id="{520B9A05-11AE-447C-B168-A85A6C67F15A}"/>
+              </a:ext>
+            </a:extLst>
+          </p:cNvPr>
+          <p:cNvCxnSpPr>
+            <a:cxnSpLocks/>
+          </p:cNvCxnSpPr>
+          <p:nvPr/>
+        </p:nvCxnSpPr>
+        <p:spPr>
+          <a:xfrm>
+            <a:off x="4932000" y="1494000"/>
+            <a:ext cx="0" cy="1125000"/>
+          </a:xfrm>
+          <a:prstGeom prst="straightConnector1">
+            <a:avLst/>
+          </a:prstGeom>
+          <a:ln w="50800">
+            <a:solidFill>
+              <a:srgbClr val="FF7C80"/>
+            </a:solidFill>
+            <a:tailEnd type="none"/>
+          </a:ln>
+        </p:spPr>
+        <p:style>
+          <a:lnRef idx="1">
+            <a:schemeClr val="accent1"/>
+          </a:lnRef>
+          <a:fillRef idx="0">
+            <a:schemeClr val="accent1"/>
+          </a:fillRef>
+          <a:effectRef idx="0">
+            <a:schemeClr val="accent1"/>
+          </a:effectRef>
+          <a:fontRef idx="minor">
+            <a:schemeClr val="tx1"/>
+          </a:fontRef>
+        </p:style>
+      </p:cxnSp>
+      <p:cxnSp>
+        <p:nvCxnSpPr>
+          <p:cNvPr id="88" name="直接连接符 87">
+            <a:extLst>
+              <a:ext uri="{FF2B5EF4-FFF2-40B4-BE49-F238E27FC236}">
+                <a16:creationId xmlns:a16="http://schemas.microsoft.com/office/drawing/2014/main" id="{38C3BC5E-B08C-4C9D-9282-7A2D45FEDEA3}"/>
+              </a:ext>
+            </a:extLst>
+          </p:cNvPr>
+          <p:cNvCxnSpPr>
+            <a:cxnSpLocks/>
+          </p:cNvCxnSpPr>
+          <p:nvPr/>
+        </p:nvCxnSpPr>
+        <p:spPr>
+          <a:xfrm>
+            <a:off x="4807368" y="2619000"/>
+            <a:ext cx="225000" cy="0"/>
+          </a:xfrm>
+          <a:prstGeom prst="line">
+            <a:avLst/>
+          </a:prstGeom>
+          <a:ln w="38100">
+            <a:solidFill>
+              <a:schemeClr val="tx1"/>
+            </a:solidFill>
+          </a:ln>
+        </p:spPr>
+        <p:style>
+          <a:lnRef idx="1">
+            <a:schemeClr val="accent1"/>
+          </a:lnRef>
+          <a:fillRef idx="0">
+            <a:schemeClr val="accent1"/>
+          </a:fillRef>
+          <a:effectRef idx="0">
+            <a:schemeClr val="accent1"/>
+          </a:effectRef>
+          <a:fontRef idx="minor">
+            <a:schemeClr val="tx1"/>
+          </a:fontRef>
+        </p:style>
+      </p:cxnSp>
+      <p:cxnSp>
+        <p:nvCxnSpPr>
+          <p:cNvPr id="90" name="直接连接符 89">
+            <a:extLst>
+              <a:ext uri="{FF2B5EF4-FFF2-40B4-BE49-F238E27FC236}">
+                <a16:creationId xmlns:a16="http://schemas.microsoft.com/office/drawing/2014/main" id="{5BE710D6-A905-4FF7-9D68-50FFBD588551}"/>
+              </a:ext>
+            </a:extLst>
+          </p:cNvPr>
+          <p:cNvCxnSpPr>
+            <a:cxnSpLocks/>
+          </p:cNvCxnSpPr>
+          <p:nvPr/>
+        </p:nvCxnSpPr>
+        <p:spPr>
+          <a:xfrm>
+            <a:off x="4807368" y="1494000"/>
+            <a:ext cx="225000" cy="0"/>
+          </a:xfrm>
+          <a:prstGeom prst="line">
+            <a:avLst/>
+          </a:prstGeom>
+          <a:ln w="38100">
+            <a:solidFill>
+              <a:schemeClr val="tx1"/>
+            </a:solidFill>
+          </a:ln>
+        </p:spPr>
+        <p:style>
+          <a:lnRef idx="1">
+            <a:schemeClr val="accent1"/>
+          </a:lnRef>
+          <a:fillRef idx="0">
+            <a:schemeClr val="accent1"/>
+          </a:fillRef>
+          <a:effectRef idx="0">
+            <a:schemeClr val="accent1"/>
+          </a:effectRef>
+          <a:fontRef idx="minor">
+            <a:schemeClr val="tx1"/>
+          </a:fontRef>
+        </p:style>
+      </p:cxnSp>
+      <p:sp>
+        <p:nvSpPr>
+          <p:cNvPr id="81" name="矩形 79">
+            <a:extLst>
+              <a:ext uri="{FF2B5EF4-FFF2-40B4-BE49-F238E27FC236}">
+                <a16:creationId xmlns:a16="http://schemas.microsoft.com/office/drawing/2014/main" id="{35172EC1-9169-4A51-A51D-1A88C875E066}"/>
+              </a:ext>
+            </a:extLst>
+          </p:cNvPr>
+          <p:cNvSpPr/>
+          <p:nvPr/>
+        </p:nvSpPr>
+        <p:spPr>
+          <a:xfrm flipH="1" flipV="1">
+            <a:off x="3041750" y="2619000"/>
+            <a:ext cx="1772267" cy="517690"/>
+          </a:xfrm>
+          <a:custGeom>
+            <a:avLst/>
+            <a:gdLst>
+              <a:gd name="connsiteX0" fmla="*/ 0 w 864322"/>
+              <a:gd name="connsiteY0" fmla="*/ 0 h 542283"/>
+              <a:gd name="connsiteX1" fmla="*/ 864322 w 864322"/>
+              <a:gd name="connsiteY1" fmla="*/ 0 h 542283"/>
+              <a:gd name="connsiteX2" fmla="*/ 864322 w 864322"/>
+              <a:gd name="connsiteY2" fmla="*/ 542283 h 542283"/>
+              <a:gd name="connsiteX3" fmla="*/ 0 w 864322"/>
+              <a:gd name="connsiteY3" fmla="*/ 542283 h 542283"/>
+              <a:gd name="connsiteX4" fmla="*/ 0 w 864322"/>
+              <a:gd name="connsiteY4" fmla="*/ 0 h 542283"/>
+              <a:gd name="connsiteX0" fmla="*/ 0 w 864322"/>
+              <a:gd name="connsiteY0" fmla="*/ 542283 h 633723"/>
+              <a:gd name="connsiteX1" fmla="*/ 0 w 864322"/>
+              <a:gd name="connsiteY1" fmla="*/ 0 h 633723"/>
+              <a:gd name="connsiteX2" fmla="*/ 864322 w 864322"/>
+              <a:gd name="connsiteY2" fmla="*/ 0 h 633723"/>
+              <a:gd name="connsiteX3" fmla="*/ 864322 w 864322"/>
+              <a:gd name="connsiteY3" fmla="*/ 542283 h 633723"/>
+              <a:gd name="connsiteX4" fmla="*/ 91440 w 864322"/>
+              <a:gd name="connsiteY4" fmla="*/ 633723 h 633723"/>
+              <a:gd name="connsiteX0" fmla="*/ 0 w 864322"/>
+              <a:gd name="connsiteY0" fmla="*/ 542283 h 542283"/>
+              <a:gd name="connsiteX1" fmla="*/ 0 w 864322"/>
+              <a:gd name="connsiteY1" fmla="*/ 0 h 542283"/>
+              <a:gd name="connsiteX2" fmla="*/ 864322 w 864322"/>
+              <a:gd name="connsiteY2" fmla="*/ 0 h 542283"/>
+              <a:gd name="connsiteX3" fmla="*/ 864322 w 864322"/>
+              <a:gd name="connsiteY3" fmla="*/ 542283 h 542283"/>
+              <a:gd name="connsiteX0" fmla="*/ 0 w 1458682"/>
+              <a:gd name="connsiteY0" fmla="*/ 443223 h 542283"/>
+              <a:gd name="connsiteX1" fmla="*/ 594360 w 1458682"/>
+              <a:gd name="connsiteY1" fmla="*/ 0 h 542283"/>
+              <a:gd name="connsiteX2" fmla="*/ 1458682 w 1458682"/>
+              <a:gd name="connsiteY2" fmla="*/ 0 h 542283"/>
+              <a:gd name="connsiteX3" fmla="*/ 1458682 w 1458682"/>
+              <a:gd name="connsiteY3" fmla="*/ 542283 h 542283"/>
+              <a:gd name="connsiteX0" fmla="*/ 0 w 1497440"/>
+              <a:gd name="connsiteY0" fmla="*/ 1083215 h 1083215"/>
+              <a:gd name="connsiteX1" fmla="*/ 633118 w 1497440"/>
+              <a:gd name="connsiteY1" fmla="*/ 0 h 1083215"/>
+              <a:gd name="connsiteX2" fmla="*/ 1497440 w 1497440"/>
+              <a:gd name="connsiteY2" fmla="*/ 0 h 1083215"/>
+              <a:gd name="connsiteX3" fmla="*/ 1497440 w 1497440"/>
+              <a:gd name="connsiteY3" fmla="*/ 542283 h 1083215"/>
+              <a:gd name="connsiteX0" fmla="*/ 0 w 1529956"/>
+              <a:gd name="connsiteY0" fmla="*/ 1166526 h 1166526"/>
+              <a:gd name="connsiteX1" fmla="*/ 665634 w 1529956"/>
+              <a:gd name="connsiteY1" fmla="*/ 0 h 1166526"/>
+              <a:gd name="connsiteX2" fmla="*/ 1529956 w 1529956"/>
+              <a:gd name="connsiteY2" fmla="*/ 0 h 1166526"/>
+              <a:gd name="connsiteX3" fmla="*/ 1529956 w 1529956"/>
+              <a:gd name="connsiteY3" fmla="*/ 542283 h 1166526"/>
+            </a:gdLst>
+            <a:ahLst/>
+            <a:cxnLst>
+              <a:cxn ang="0">
+                <a:pos x="connsiteX0" y="connsiteY0"/>
+              </a:cxn>
+              <a:cxn ang="0">
+                <a:pos x="connsiteX1" y="connsiteY1"/>
+              </a:cxn>
+              <a:cxn ang="0">
+                <a:pos x="connsiteX2" y="connsiteY2"/>
+              </a:cxn>
+              <a:cxn ang="0">
+                <a:pos x="connsiteX3" y="connsiteY3"/>
+              </a:cxn>
+            </a:cxnLst>
+            <a:rect l="l" t="t" r="r" b="b"/>
+            <a:pathLst>
+              <a:path w="1529956" h="1166526">
+                <a:moveTo>
+                  <a:pt x="0" y="1166526"/>
+                </a:moveTo>
+                <a:lnTo>
+                  <a:pt x="665634" y="0"/>
+                </a:lnTo>
+                <a:lnTo>
+                  <a:pt x="1529956" y="0"/>
+                </a:lnTo>
+                <a:lnTo>
+                  <a:pt x="1529956" y="542283"/>
+                </a:lnTo>
+              </a:path>
+            </a:pathLst>
+          </a:custGeom>
+          <a:noFill/>
+          <a:ln w="38100">
+            <a:solidFill>
+              <a:srgbClr val="8FAADC"/>
+            </a:solidFill>
+            <a:headEnd type="triangle" w="med" len="sm"/>
+            <a:tailEnd type="none" w="med" len="sm"/>
+          </a:ln>
+        </p:spPr>
+        <p:style>
+          <a:lnRef idx="2">
+            <a:schemeClr val="accent1">
+              <a:shade val="50000"/>
+            </a:schemeClr>
+          </a:lnRef>
+          <a:fillRef idx="1">
+            <a:schemeClr val="accent1"/>
+          </a:fillRef>
+          <a:effectRef idx="0">
+            <a:schemeClr val="accent1"/>
+          </a:effectRef>
+          <a:fontRef idx="minor">
+            <a:schemeClr val="lt1"/>
+          </a:fontRef>
+        </p:style>
+        <p:txBody>
+          <a:bodyPr rot="0" spcFirstLastPara="0" vertOverflow="overflow" horzOverflow="overflow" vert="horz" wrap="square" lIns="91440" tIns="45720" rIns="91440" bIns="45720" numCol="1" spcCol="0" rtlCol="0" fromWordArt="0" anchor="ctr" anchorCtr="0" forceAA="0" compatLnSpc="1">
+            <a:prstTxWarp prst="textNoShape">
+              <a:avLst/>
+            </a:prstTxWarp>
+            <a:noAutofit/>
+          </a:bodyPr>
+          <a:lstStyle/>
+          <a:p>
+            <a:pPr algn="ctr"/>
+            <a:endParaRPr lang="zh-CN" altLang="en-US"/>
+          </a:p>
+        </p:txBody>
+      </p:sp>
+      <p:sp>
+        <p:nvSpPr>
+          <p:cNvPr id="94" name="矩形 93">
+            <a:extLst>
+              <a:ext uri="{FF2B5EF4-FFF2-40B4-BE49-F238E27FC236}">
+                <a16:creationId xmlns:a16="http://schemas.microsoft.com/office/drawing/2014/main" id="{44CDB7B4-EBD2-457A-AEA1-CCA064C4FAF5}"/>
+              </a:ext>
+            </a:extLst>
+          </p:cNvPr>
+          <p:cNvSpPr/>
+          <p:nvPr/>
+        </p:nvSpPr>
+        <p:spPr>
+          <a:xfrm>
+            <a:off x="4763870" y="1850685"/>
+            <a:ext cx="900000" cy="405000"/>
+          </a:xfrm>
+          <a:prstGeom prst="rect">
+            <a:avLst/>
+          </a:prstGeom>
+          <a:noFill/>
+          <a:ln>
+            <a:noFill/>
+          </a:ln>
+        </p:spPr>
+        <p:style>
+          <a:lnRef idx="2">
+            <a:schemeClr val="accent1">
+              <a:shade val="50000"/>
+            </a:schemeClr>
+          </a:lnRef>
+          <a:fillRef idx="1">
+            <a:schemeClr val="accent1"/>
+          </a:fillRef>
+          <a:effectRef idx="0">
+            <a:schemeClr val="accent1"/>
+          </a:effectRef>
+          <a:fontRef idx="minor">
+            <a:schemeClr val="lt1"/>
+          </a:fontRef>
+        </p:style>
+        <p:txBody>
+          <a:bodyPr rtlCol="0" anchor="ctr"/>
+          <a:lstStyle/>
+          <a:p>
+            <a:pPr algn="ctr"/>
+            <a:r>
+              <a:rPr lang="zh-CN" altLang="en-US" sz="1400" b="1" dirty="0">
+                <a:solidFill>
+                  <a:srgbClr val="FF7C80"/>
+                </a:solidFill>
+                <a:latin typeface="Times New Roman" panose="02020603050405020304" pitchFamily="18" charset="0"/>
+                <a:ea typeface="华文中宋" panose="02010600040101010101" pitchFamily="2" charset="-122"/>
+                <a:cs typeface="Times New Roman" panose="02020603050405020304" pitchFamily="18" charset="0"/>
+              </a:rPr>
+              <a:t>等待</a:t>
+            </a:r>
+          </a:p>
+        </p:txBody>
+      </p:sp>
+      <p:cxnSp>
+        <p:nvCxnSpPr>
+          <p:cNvPr id="98" name="直接连接符 97">
+            <a:extLst>
+              <a:ext uri="{FF2B5EF4-FFF2-40B4-BE49-F238E27FC236}">
+                <a16:creationId xmlns:a16="http://schemas.microsoft.com/office/drawing/2014/main" id="{712442FC-B29C-469C-92A1-966DAC846B47}"/>
+              </a:ext>
+            </a:extLst>
+          </p:cNvPr>
+          <p:cNvCxnSpPr>
+            <a:cxnSpLocks/>
+          </p:cNvCxnSpPr>
+          <p:nvPr/>
+        </p:nvCxnSpPr>
+        <p:spPr>
+          <a:xfrm>
+            <a:off x="4807368" y="4200005"/>
+            <a:ext cx="225000" cy="0"/>
+          </a:xfrm>
+          <a:prstGeom prst="line">
+            <a:avLst/>
+          </a:prstGeom>
+          <a:ln w="38100">
+            <a:solidFill>
+              <a:schemeClr val="tx1"/>
+            </a:solidFill>
+          </a:ln>
+        </p:spPr>
+        <p:style>
+          <a:lnRef idx="1">
+            <a:schemeClr val="accent1"/>
+          </a:lnRef>
+          <a:fillRef idx="0">
+            <a:schemeClr val="accent1"/>
+          </a:fillRef>
+          <a:effectRef idx="0">
+            <a:schemeClr val="accent1"/>
+          </a:effectRef>
+          <a:fontRef idx="minor">
+            <a:schemeClr val="tx1"/>
+          </a:fontRef>
+        </p:style>
+      </p:cxnSp>
+      <p:sp>
+        <p:nvSpPr>
+          <p:cNvPr id="99" name="矩形 98">
+            <a:extLst>
+              <a:ext uri="{FF2B5EF4-FFF2-40B4-BE49-F238E27FC236}">
+                <a16:creationId xmlns:a16="http://schemas.microsoft.com/office/drawing/2014/main" id="{F4D20D7D-7BB2-4C1E-BEE2-1E1E619ACB19}"/>
+              </a:ext>
+            </a:extLst>
+          </p:cNvPr>
+          <p:cNvSpPr/>
+          <p:nvPr/>
+        </p:nvSpPr>
+        <p:spPr>
+          <a:xfrm>
+            <a:off x="4749531" y="3168080"/>
+            <a:ext cx="900000" cy="405000"/>
+          </a:xfrm>
+          <a:prstGeom prst="rect">
+            <a:avLst/>
+          </a:prstGeom>
+          <a:noFill/>
+          <a:ln>
+            <a:noFill/>
+          </a:ln>
+        </p:spPr>
+        <p:style>
+          <a:lnRef idx="2">
+            <a:schemeClr val="accent1">
+              <a:shade val="50000"/>
+            </a:schemeClr>
+          </a:lnRef>
+          <a:fillRef idx="1">
+            <a:schemeClr val="accent1"/>
+          </a:fillRef>
+          <a:effectRef idx="0">
+            <a:schemeClr val="accent1"/>
+          </a:effectRef>
+          <a:fontRef idx="minor">
+            <a:schemeClr val="lt1"/>
+          </a:fontRef>
+        </p:style>
+        <p:txBody>
+          <a:bodyPr rtlCol="0" anchor="ctr"/>
+          <a:lstStyle/>
+          <a:p>
+            <a:pPr algn="ctr"/>
+            <a:r>
+              <a:rPr lang="zh-CN" altLang="en-US" sz="1400" b="1" dirty="0">
+                <a:solidFill>
+                  <a:srgbClr val="8FAADC"/>
+                </a:solidFill>
+                <a:latin typeface="Times New Roman" panose="02020603050405020304" pitchFamily="18" charset="0"/>
+                <a:ea typeface="华文中宋" panose="02010600040101010101" pitchFamily="2" charset="-122"/>
+                <a:cs typeface="Times New Roman" panose="02020603050405020304" pitchFamily="18" charset="0"/>
+              </a:rPr>
+              <a:t>执行</a:t>
+            </a:r>
+          </a:p>
+        </p:txBody>
+      </p:sp>
+      <p:sp>
+        <p:nvSpPr>
+          <p:cNvPr id="100" name="矩形 79">
+            <a:extLst>
+              <a:ext uri="{FF2B5EF4-FFF2-40B4-BE49-F238E27FC236}">
+                <a16:creationId xmlns:a16="http://schemas.microsoft.com/office/drawing/2014/main" id="{A552C11C-6CAD-483C-9706-89A7B1CFB034}"/>
+              </a:ext>
+            </a:extLst>
+          </p:cNvPr>
+          <p:cNvSpPr/>
+          <p:nvPr/>
+        </p:nvSpPr>
+        <p:spPr>
+          <a:xfrm flipH="1">
+            <a:off x="3043060" y="3612086"/>
+            <a:ext cx="1883458" cy="587919"/>
+          </a:xfrm>
+          <a:custGeom>
+            <a:avLst/>
+            <a:gdLst>
+              <a:gd name="connsiteX0" fmla="*/ 0 w 864322"/>
+              <a:gd name="connsiteY0" fmla="*/ 0 h 542283"/>
+              <a:gd name="connsiteX1" fmla="*/ 864322 w 864322"/>
+              <a:gd name="connsiteY1" fmla="*/ 0 h 542283"/>
+              <a:gd name="connsiteX2" fmla="*/ 864322 w 864322"/>
+              <a:gd name="connsiteY2" fmla="*/ 542283 h 542283"/>
+              <a:gd name="connsiteX3" fmla="*/ 0 w 864322"/>
+              <a:gd name="connsiteY3" fmla="*/ 542283 h 542283"/>
+              <a:gd name="connsiteX4" fmla="*/ 0 w 864322"/>
+              <a:gd name="connsiteY4" fmla="*/ 0 h 542283"/>
+              <a:gd name="connsiteX0" fmla="*/ 0 w 864322"/>
+              <a:gd name="connsiteY0" fmla="*/ 542283 h 633723"/>
+              <a:gd name="connsiteX1" fmla="*/ 0 w 864322"/>
+              <a:gd name="connsiteY1" fmla="*/ 0 h 633723"/>
+              <a:gd name="connsiteX2" fmla="*/ 864322 w 864322"/>
+              <a:gd name="connsiteY2" fmla="*/ 0 h 633723"/>
+              <a:gd name="connsiteX3" fmla="*/ 864322 w 864322"/>
+              <a:gd name="connsiteY3" fmla="*/ 542283 h 633723"/>
+              <a:gd name="connsiteX4" fmla="*/ 91440 w 864322"/>
+              <a:gd name="connsiteY4" fmla="*/ 633723 h 633723"/>
+              <a:gd name="connsiteX0" fmla="*/ 0 w 864322"/>
+              <a:gd name="connsiteY0" fmla="*/ 542283 h 542283"/>
+              <a:gd name="connsiteX1" fmla="*/ 0 w 864322"/>
+              <a:gd name="connsiteY1" fmla="*/ 0 h 542283"/>
+              <a:gd name="connsiteX2" fmla="*/ 864322 w 864322"/>
+              <a:gd name="connsiteY2" fmla="*/ 0 h 542283"/>
+              <a:gd name="connsiteX3" fmla="*/ 864322 w 864322"/>
+              <a:gd name="connsiteY3" fmla="*/ 542283 h 542283"/>
+              <a:gd name="connsiteX0" fmla="*/ 0 w 1458682"/>
+              <a:gd name="connsiteY0" fmla="*/ 443223 h 542283"/>
+              <a:gd name="connsiteX1" fmla="*/ 594360 w 1458682"/>
+              <a:gd name="connsiteY1" fmla="*/ 0 h 542283"/>
+              <a:gd name="connsiteX2" fmla="*/ 1458682 w 1458682"/>
+              <a:gd name="connsiteY2" fmla="*/ 0 h 542283"/>
+              <a:gd name="connsiteX3" fmla="*/ 1458682 w 1458682"/>
+              <a:gd name="connsiteY3" fmla="*/ 542283 h 542283"/>
+              <a:gd name="connsiteX0" fmla="*/ 0 w 1497440"/>
+              <a:gd name="connsiteY0" fmla="*/ 1083215 h 1083215"/>
+              <a:gd name="connsiteX1" fmla="*/ 633118 w 1497440"/>
+              <a:gd name="connsiteY1" fmla="*/ 0 h 1083215"/>
+              <a:gd name="connsiteX2" fmla="*/ 1497440 w 1497440"/>
+              <a:gd name="connsiteY2" fmla="*/ 0 h 1083215"/>
+              <a:gd name="connsiteX3" fmla="*/ 1497440 w 1497440"/>
+              <a:gd name="connsiteY3" fmla="*/ 542283 h 1083215"/>
+              <a:gd name="connsiteX0" fmla="*/ 0 w 1529956"/>
+              <a:gd name="connsiteY0" fmla="*/ 1166526 h 1166526"/>
+              <a:gd name="connsiteX1" fmla="*/ 665634 w 1529956"/>
+              <a:gd name="connsiteY1" fmla="*/ 0 h 1166526"/>
+              <a:gd name="connsiteX2" fmla="*/ 1529956 w 1529956"/>
+              <a:gd name="connsiteY2" fmla="*/ 0 h 1166526"/>
+              <a:gd name="connsiteX3" fmla="*/ 1529956 w 1529956"/>
+              <a:gd name="connsiteY3" fmla="*/ 542283 h 1166526"/>
+            </a:gdLst>
+            <a:ahLst/>
+            <a:cxnLst>
+              <a:cxn ang="0">
+                <a:pos x="connsiteX0" y="connsiteY0"/>
+              </a:cxn>
+              <a:cxn ang="0">
+                <a:pos x="connsiteX1" y="connsiteY1"/>
+              </a:cxn>
+              <a:cxn ang="0">
+                <a:pos x="connsiteX2" y="connsiteY2"/>
+              </a:cxn>
+              <a:cxn ang="0">
+                <a:pos x="connsiteX3" y="connsiteY3"/>
+              </a:cxn>
+            </a:cxnLst>
+            <a:rect l="l" t="t" r="r" b="b"/>
+            <a:pathLst>
+              <a:path w="1529956" h="1166526">
+                <a:moveTo>
+                  <a:pt x="0" y="1166526"/>
+                </a:moveTo>
+                <a:lnTo>
+                  <a:pt x="665634" y="0"/>
+                </a:lnTo>
+                <a:lnTo>
+                  <a:pt x="1529956" y="0"/>
+                </a:lnTo>
+                <a:lnTo>
+                  <a:pt x="1529956" y="542283"/>
+                </a:lnTo>
+              </a:path>
+            </a:pathLst>
+          </a:custGeom>
+          <a:noFill/>
+          <a:ln w="38100">
+            <a:solidFill>
+              <a:srgbClr val="8FAADC"/>
+            </a:solidFill>
+            <a:headEnd type="none" w="med" len="sm"/>
+            <a:tailEnd type="triangle" w="med" len="sm"/>
+          </a:ln>
+        </p:spPr>
+        <p:style>
+          <a:lnRef idx="2">
+            <a:schemeClr val="accent1">
+              <a:shade val="50000"/>
+            </a:schemeClr>
+          </a:lnRef>
+          <a:fillRef idx="1">
+            <a:schemeClr val="accent1"/>
+          </a:fillRef>
+          <a:effectRef idx="0">
+            <a:schemeClr val="accent1"/>
+          </a:effectRef>
+          <a:fontRef idx="minor">
+            <a:schemeClr val="lt1"/>
+          </a:fontRef>
+        </p:style>
+        <p:txBody>
+          <a:bodyPr rot="0" spcFirstLastPara="0" vertOverflow="overflow" horzOverflow="overflow" vert="horz" wrap="square" lIns="91440" tIns="45720" rIns="91440" bIns="45720" numCol="1" spcCol="0" rtlCol="0" fromWordArt="0" anchor="ctr" anchorCtr="0" forceAA="0" compatLnSpc="1">
+            <a:prstTxWarp prst="textNoShape">
+              <a:avLst/>
+            </a:prstTxWarp>
+            <a:noAutofit/>
+          </a:bodyPr>
+          <a:lstStyle/>
+          <a:p>
+            <a:pPr algn="ctr"/>
+            <a:endParaRPr lang="zh-CN" altLang="en-US"/>
+          </a:p>
+        </p:txBody>
+      </p:sp>
+      <p:sp>
+        <p:nvSpPr>
+          <p:cNvPr id="106" name="矩形 79">
+            <a:extLst>
+              <a:ext uri="{FF2B5EF4-FFF2-40B4-BE49-F238E27FC236}">
+                <a16:creationId xmlns:a16="http://schemas.microsoft.com/office/drawing/2014/main" id="{CB2D9CA6-BBCE-4033-85BA-37E3ECFBBBB8}"/>
+              </a:ext>
+            </a:extLst>
+          </p:cNvPr>
+          <p:cNvSpPr/>
+          <p:nvPr/>
+        </p:nvSpPr>
+        <p:spPr>
+          <a:xfrm flipV="1">
+            <a:off x="1298255" y="4669580"/>
+            <a:ext cx="1744768" cy="533479"/>
+          </a:xfrm>
+          <a:custGeom>
+            <a:avLst/>
+            <a:gdLst>
+              <a:gd name="connsiteX0" fmla="*/ 0 w 864322"/>
+              <a:gd name="connsiteY0" fmla="*/ 0 h 542283"/>
+              <a:gd name="connsiteX1" fmla="*/ 864322 w 864322"/>
+              <a:gd name="connsiteY1" fmla="*/ 0 h 542283"/>
+              <a:gd name="connsiteX2" fmla="*/ 864322 w 864322"/>
+              <a:gd name="connsiteY2" fmla="*/ 542283 h 542283"/>
+              <a:gd name="connsiteX3" fmla="*/ 0 w 864322"/>
+              <a:gd name="connsiteY3" fmla="*/ 542283 h 542283"/>
+              <a:gd name="connsiteX4" fmla="*/ 0 w 864322"/>
+              <a:gd name="connsiteY4" fmla="*/ 0 h 542283"/>
+              <a:gd name="connsiteX0" fmla="*/ 0 w 864322"/>
+              <a:gd name="connsiteY0" fmla="*/ 542283 h 633723"/>
+              <a:gd name="connsiteX1" fmla="*/ 0 w 864322"/>
+              <a:gd name="connsiteY1" fmla="*/ 0 h 633723"/>
+              <a:gd name="connsiteX2" fmla="*/ 864322 w 864322"/>
+              <a:gd name="connsiteY2" fmla="*/ 0 h 633723"/>
+              <a:gd name="connsiteX3" fmla="*/ 864322 w 864322"/>
+              <a:gd name="connsiteY3" fmla="*/ 542283 h 633723"/>
+              <a:gd name="connsiteX4" fmla="*/ 91440 w 864322"/>
+              <a:gd name="connsiteY4" fmla="*/ 633723 h 633723"/>
+              <a:gd name="connsiteX0" fmla="*/ 0 w 864322"/>
+              <a:gd name="connsiteY0" fmla="*/ 542283 h 542283"/>
+              <a:gd name="connsiteX1" fmla="*/ 0 w 864322"/>
+              <a:gd name="connsiteY1" fmla="*/ 0 h 542283"/>
+              <a:gd name="connsiteX2" fmla="*/ 864322 w 864322"/>
+              <a:gd name="connsiteY2" fmla="*/ 0 h 542283"/>
+              <a:gd name="connsiteX3" fmla="*/ 864322 w 864322"/>
+              <a:gd name="connsiteY3" fmla="*/ 542283 h 542283"/>
+              <a:gd name="connsiteX0" fmla="*/ 0 w 1458682"/>
+              <a:gd name="connsiteY0" fmla="*/ 443223 h 542283"/>
+              <a:gd name="connsiteX1" fmla="*/ 594360 w 1458682"/>
+              <a:gd name="connsiteY1" fmla="*/ 0 h 542283"/>
+              <a:gd name="connsiteX2" fmla="*/ 1458682 w 1458682"/>
+              <a:gd name="connsiteY2" fmla="*/ 0 h 542283"/>
+              <a:gd name="connsiteX3" fmla="*/ 1458682 w 1458682"/>
+              <a:gd name="connsiteY3" fmla="*/ 542283 h 542283"/>
+              <a:gd name="connsiteX0" fmla="*/ 0 w 1497440"/>
+              <a:gd name="connsiteY0" fmla="*/ 1083215 h 1083215"/>
+              <a:gd name="connsiteX1" fmla="*/ 633118 w 1497440"/>
+              <a:gd name="connsiteY1" fmla="*/ 0 h 1083215"/>
+              <a:gd name="connsiteX2" fmla="*/ 1497440 w 1497440"/>
+              <a:gd name="connsiteY2" fmla="*/ 0 h 1083215"/>
+              <a:gd name="connsiteX3" fmla="*/ 1497440 w 1497440"/>
+              <a:gd name="connsiteY3" fmla="*/ 542283 h 1083215"/>
+              <a:gd name="connsiteX0" fmla="*/ 0 w 1529956"/>
+              <a:gd name="connsiteY0" fmla="*/ 1166526 h 1166526"/>
+              <a:gd name="connsiteX1" fmla="*/ 665634 w 1529956"/>
+              <a:gd name="connsiteY1" fmla="*/ 0 h 1166526"/>
+              <a:gd name="connsiteX2" fmla="*/ 1529956 w 1529956"/>
+              <a:gd name="connsiteY2" fmla="*/ 0 h 1166526"/>
+              <a:gd name="connsiteX3" fmla="*/ 1529956 w 1529956"/>
+              <a:gd name="connsiteY3" fmla="*/ 542283 h 1166526"/>
+            </a:gdLst>
+            <a:ahLst/>
+            <a:cxnLst>
+              <a:cxn ang="0">
+                <a:pos x="connsiteX0" y="connsiteY0"/>
+              </a:cxn>
+              <a:cxn ang="0">
+                <a:pos x="connsiteX1" y="connsiteY1"/>
+              </a:cxn>
+              <a:cxn ang="0">
+                <a:pos x="connsiteX2" y="connsiteY2"/>
+              </a:cxn>
+              <a:cxn ang="0">
+                <a:pos x="connsiteX3" y="connsiteY3"/>
+              </a:cxn>
+            </a:cxnLst>
+            <a:rect l="l" t="t" r="r" b="b"/>
+            <a:pathLst>
+              <a:path w="1529956" h="1166526">
+                <a:moveTo>
+                  <a:pt x="0" y="1166526"/>
+                </a:moveTo>
+                <a:lnTo>
+                  <a:pt x="665634" y="0"/>
+                </a:lnTo>
+                <a:lnTo>
+                  <a:pt x="1529956" y="0"/>
+                </a:lnTo>
+                <a:lnTo>
+                  <a:pt x="1529956" y="542283"/>
+                </a:lnTo>
+              </a:path>
+            </a:pathLst>
+          </a:custGeom>
+          <a:noFill/>
+          <a:ln w="38100">
+            <a:solidFill>
+              <a:srgbClr val="8FAADC"/>
+            </a:solidFill>
+            <a:headEnd type="triangle" w="med" len="sm"/>
+            <a:tailEnd type="none" w="med" len="sm"/>
+          </a:ln>
+        </p:spPr>
+        <p:style>
+          <a:lnRef idx="2">
+            <a:schemeClr val="accent1">
+              <a:shade val="50000"/>
+            </a:schemeClr>
+          </a:lnRef>
+          <a:fillRef idx="1">
+            <a:schemeClr val="accent1"/>
+          </a:fillRef>
+          <a:effectRef idx="0">
+            <a:schemeClr val="accent1"/>
+          </a:effectRef>
+          <a:fontRef idx="minor">
+            <a:schemeClr val="lt1"/>
+          </a:fontRef>
+        </p:style>
+        <p:txBody>
+          <a:bodyPr rot="0" spcFirstLastPara="0" vertOverflow="overflow" horzOverflow="overflow" vert="horz" wrap="square" lIns="91440" tIns="45720" rIns="91440" bIns="45720" numCol="1" spcCol="0" rtlCol="0" fromWordArt="0" anchor="ctr" anchorCtr="0" forceAA="0" compatLnSpc="1">
+            <a:prstTxWarp prst="textNoShape">
+              <a:avLst/>
+            </a:prstTxWarp>
+            <a:noAutofit/>
+          </a:bodyPr>
+          <a:lstStyle/>
+          <a:p>
+            <a:pPr algn="ctr"/>
+            <a:endParaRPr lang="zh-CN" altLang="en-US"/>
+          </a:p>
+        </p:txBody>
+      </p:sp>
+      <p:cxnSp>
+        <p:nvCxnSpPr>
+          <p:cNvPr id="108" name="直接箭头连接符 107">
+            <a:extLst>
+              <a:ext uri="{FF2B5EF4-FFF2-40B4-BE49-F238E27FC236}">
+                <a16:creationId xmlns:a16="http://schemas.microsoft.com/office/drawing/2014/main" id="{A5AB497E-1CF4-447F-9AEE-CF147623CFDA}"/>
+              </a:ext>
+            </a:extLst>
+          </p:cNvPr>
+          <p:cNvCxnSpPr>
+            <a:cxnSpLocks/>
+          </p:cNvCxnSpPr>
+          <p:nvPr/>
+        </p:nvCxnSpPr>
+        <p:spPr>
+          <a:xfrm>
+            <a:off x="1191000" y="4706651"/>
+            <a:ext cx="0" cy="630000"/>
+          </a:xfrm>
+          <a:prstGeom prst="straightConnector1">
+            <a:avLst/>
+          </a:prstGeom>
+          <a:ln w="50800">
+            <a:solidFill>
+              <a:schemeClr val="accent1">
+                <a:lumMod val="60000"/>
+                <a:lumOff val="40000"/>
+              </a:schemeClr>
+            </a:solidFill>
+            <a:tailEnd type="none"/>
+          </a:ln>
+        </p:spPr>
+        <p:style>
+          <a:lnRef idx="1">
+            <a:schemeClr val="accent1"/>
+          </a:lnRef>
+          <a:fillRef idx="0">
+            <a:schemeClr val="accent1"/>
+          </a:fillRef>
+          <a:effectRef idx="0">
+            <a:schemeClr val="accent1"/>
+          </a:effectRef>
+          <a:fontRef idx="minor">
+            <a:schemeClr val="tx1"/>
+          </a:fontRef>
+        </p:style>
+      </p:cxnSp>
+      <p:cxnSp>
+        <p:nvCxnSpPr>
+          <p:cNvPr id="109" name="直接连接符 108">
+            <a:extLst>
+              <a:ext uri="{FF2B5EF4-FFF2-40B4-BE49-F238E27FC236}">
+                <a16:creationId xmlns:a16="http://schemas.microsoft.com/office/drawing/2014/main" id="{6CCA469F-4B08-43DB-AD03-24C3D15C7896}"/>
+              </a:ext>
+            </a:extLst>
+          </p:cNvPr>
+          <p:cNvCxnSpPr>
+            <a:cxnSpLocks/>
+          </p:cNvCxnSpPr>
+          <p:nvPr/>
+        </p:nvCxnSpPr>
+        <p:spPr>
+          <a:xfrm>
+            <a:off x="1078500" y="5336651"/>
+            <a:ext cx="225000" cy="0"/>
+          </a:xfrm>
+          <a:prstGeom prst="line">
+            <a:avLst/>
+          </a:prstGeom>
+          <a:ln w="38100">
+            <a:solidFill>
+              <a:schemeClr val="tx1"/>
+            </a:solidFill>
+          </a:ln>
+        </p:spPr>
+        <p:style>
+          <a:lnRef idx="1">
+            <a:schemeClr val="accent1"/>
+          </a:lnRef>
+          <a:fillRef idx="0">
+            <a:schemeClr val="accent1"/>
+          </a:fillRef>
+          <a:effectRef idx="0">
+            <a:schemeClr val="accent1"/>
+          </a:effectRef>
+          <a:fontRef idx="minor">
+            <a:schemeClr val="tx1"/>
+          </a:fontRef>
+        </p:style>
+      </p:cxnSp>
+      <p:sp>
+        <p:nvSpPr>
+          <p:cNvPr id="110" name="矩形 109">
+            <a:extLst>
+              <a:ext uri="{FF2B5EF4-FFF2-40B4-BE49-F238E27FC236}">
+                <a16:creationId xmlns:a16="http://schemas.microsoft.com/office/drawing/2014/main" id="{4F9AA8A0-62E2-4802-B08B-9E35607111E9}"/>
+              </a:ext>
+            </a:extLst>
+          </p:cNvPr>
+          <p:cNvSpPr/>
+          <p:nvPr/>
+        </p:nvSpPr>
+        <p:spPr>
+          <a:xfrm>
+            <a:off x="437268" y="4780521"/>
+            <a:ext cx="900000" cy="405000"/>
+          </a:xfrm>
+          <a:prstGeom prst="rect">
+            <a:avLst/>
+          </a:prstGeom>
+          <a:noFill/>
+          <a:ln>
+            <a:noFill/>
+          </a:ln>
+        </p:spPr>
+        <p:style>
+          <a:lnRef idx="2">
+            <a:schemeClr val="accent1">
+              <a:shade val="50000"/>
+            </a:schemeClr>
+          </a:lnRef>
+          <a:fillRef idx="1">
+            <a:schemeClr val="accent1"/>
+          </a:fillRef>
+          <a:effectRef idx="0">
+            <a:schemeClr val="accent1"/>
+          </a:effectRef>
+          <a:fontRef idx="minor">
+            <a:schemeClr val="lt1"/>
+          </a:fontRef>
+        </p:style>
+        <p:txBody>
+          <a:bodyPr rtlCol="0" anchor="ctr"/>
+          <a:lstStyle/>
+          <a:p>
+            <a:pPr algn="ctr"/>
+            <a:r>
+              <a:rPr lang="zh-CN" altLang="en-US" sz="1400" b="1" dirty="0">
+                <a:solidFill>
+                  <a:srgbClr val="8FAADC"/>
+                </a:solidFill>
+                <a:latin typeface="Times New Roman" panose="02020603050405020304" pitchFamily="18" charset="0"/>
+                <a:ea typeface="华文中宋" panose="02010600040101010101" pitchFamily="2" charset="-122"/>
+                <a:cs typeface="Times New Roman" panose="02020603050405020304" pitchFamily="18" charset="0"/>
+              </a:rPr>
+              <a:t>执行</a:t>
+            </a:r>
+          </a:p>
+        </p:txBody>
+      </p:sp>
+      <p:cxnSp>
+        <p:nvCxnSpPr>
+          <p:cNvPr id="112" name="直接连接符 111">
+            <a:extLst>
+              <a:ext uri="{FF2B5EF4-FFF2-40B4-BE49-F238E27FC236}">
+                <a16:creationId xmlns:a16="http://schemas.microsoft.com/office/drawing/2014/main" id="{28A6958F-9E4A-4A25-834D-64FEA254E09F}"/>
+              </a:ext>
+            </a:extLst>
+          </p:cNvPr>
+          <p:cNvCxnSpPr>
+            <a:cxnSpLocks/>
+          </p:cNvCxnSpPr>
+          <p:nvPr/>
+        </p:nvCxnSpPr>
+        <p:spPr>
+          <a:xfrm>
+            <a:off x="4814018" y="5324284"/>
+            <a:ext cx="225000" cy="0"/>
+          </a:xfrm>
+          <a:prstGeom prst="line">
+            <a:avLst/>
+          </a:prstGeom>
+          <a:ln w="38100">
+            <a:solidFill>
+              <a:schemeClr val="tx1"/>
+            </a:solidFill>
+          </a:ln>
+        </p:spPr>
+        <p:style>
+          <a:lnRef idx="1">
+            <a:schemeClr val="accent1"/>
+          </a:lnRef>
+          <a:fillRef idx="0">
+            <a:schemeClr val="accent1"/>
+          </a:fillRef>
+          <a:effectRef idx="0">
+            <a:schemeClr val="accent1"/>
+          </a:effectRef>
+          <a:fontRef idx="minor">
+            <a:schemeClr val="tx1"/>
+          </a:fontRef>
+        </p:style>
+      </p:cxnSp>
+      <p:sp>
+        <p:nvSpPr>
+          <p:cNvPr id="115" name="矩形 114">
+            <a:extLst>
+              <a:ext uri="{FF2B5EF4-FFF2-40B4-BE49-F238E27FC236}">
+                <a16:creationId xmlns:a16="http://schemas.microsoft.com/office/drawing/2014/main" id="{668DB4E8-16B4-448E-94EF-88C2B1FCDDA0}"/>
+              </a:ext>
+            </a:extLst>
+          </p:cNvPr>
+          <p:cNvSpPr/>
+          <p:nvPr/>
+        </p:nvSpPr>
+        <p:spPr>
+          <a:xfrm>
+            <a:off x="4763870" y="4504151"/>
+            <a:ext cx="900000" cy="405000"/>
+          </a:xfrm>
+          <a:prstGeom prst="rect">
+            <a:avLst/>
+          </a:prstGeom>
+          <a:noFill/>
+          <a:ln>
+            <a:noFill/>
+          </a:ln>
+        </p:spPr>
+        <p:style>
+          <a:lnRef idx="2">
+            <a:schemeClr val="accent1">
+              <a:shade val="50000"/>
+            </a:schemeClr>
+          </a:lnRef>
+          <a:fillRef idx="1">
+            <a:schemeClr val="accent1"/>
+          </a:fillRef>
+          <a:effectRef idx="0">
+            <a:schemeClr val="accent1"/>
+          </a:effectRef>
+          <a:fontRef idx="minor">
+            <a:schemeClr val="lt1"/>
+          </a:fontRef>
+        </p:style>
+        <p:txBody>
+          <a:bodyPr rtlCol="0" anchor="ctr"/>
+          <a:lstStyle/>
+          <a:p>
+            <a:pPr algn="ctr"/>
+            <a:r>
+              <a:rPr lang="zh-CN" altLang="en-US" sz="1400" b="1" dirty="0">
+                <a:solidFill>
+                  <a:srgbClr val="FF7C80"/>
+                </a:solidFill>
+                <a:latin typeface="Times New Roman" panose="02020603050405020304" pitchFamily="18" charset="0"/>
+                <a:ea typeface="华文中宋" panose="02010600040101010101" pitchFamily="2" charset="-122"/>
+                <a:cs typeface="Times New Roman" panose="02020603050405020304" pitchFamily="18" charset="0"/>
+              </a:rPr>
+              <a:t>等待</a:t>
+            </a:r>
+          </a:p>
+        </p:txBody>
+      </p:sp>
+      <p:sp>
+        <p:nvSpPr>
+          <p:cNvPr id="116" name="矩形 115">
+            <a:extLst>
+              <a:ext uri="{FF2B5EF4-FFF2-40B4-BE49-F238E27FC236}">
+                <a16:creationId xmlns:a16="http://schemas.microsoft.com/office/drawing/2014/main" id="{7BAC516C-DC45-4095-A866-370F6B9FD663}"/>
+              </a:ext>
+            </a:extLst>
+          </p:cNvPr>
+          <p:cNvSpPr/>
+          <p:nvPr/>
+        </p:nvSpPr>
+        <p:spPr>
+          <a:xfrm>
+            <a:off x="1489031" y="1277153"/>
+            <a:ext cx="1709999" cy="405000"/>
+          </a:xfrm>
+          <a:prstGeom prst="rect">
+            <a:avLst/>
+          </a:prstGeom>
+          <a:noFill/>
+          <a:ln>
+            <a:noFill/>
+          </a:ln>
+        </p:spPr>
+        <p:style>
+          <a:lnRef idx="2">
+            <a:schemeClr val="accent1">
+              <a:shade val="50000"/>
+            </a:schemeClr>
+          </a:lnRef>
+          <a:fillRef idx="1">
+            <a:schemeClr val="accent1"/>
+          </a:fillRef>
+          <a:effectRef idx="0">
+            <a:schemeClr val="accent1"/>
+          </a:effectRef>
+          <a:fontRef idx="minor">
+            <a:schemeClr val="lt1"/>
+          </a:fontRef>
+        </p:style>
+        <p:txBody>
+          <a:bodyPr rtlCol="0" anchor="ctr"/>
+          <a:lstStyle/>
+          <a:p>
+            <a:pPr algn="ctr"/>
+            <a:r>
+              <a:rPr lang="zh-CN" altLang="en-US" sz="1400" b="1" dirty="0">
+                <a:solidFill>
+                  <a:srgbClr val="FF0000"/>
+                </a:solidFill>
+                <a:latin typeface="Times New Roman" panose="02020603050405020304" pitchFamily="18" charset="0"/>
+                <a:ea typeface="华文中宋" panose="02010600040101010101" pitchFamily="2" charset="-122"/>
+                <a:cs typeface="Times New Roman" panose="02020603050405020304" pitchFamily="18" charset="0"/>
+              </a:rPr>
+              <a:t>中断</a:t>
+            </a:r>
+            <a:r>
+              <a:rPr lang="zh-CN" altLang="en-US" sz="1400" b="1" dirty="0">
+                <a:solidFill>
+                  <a:schemeClr val="tx1"/>
+                </a:solidFill>
+                <a:latin typeface="Times New Roman" panose="02020603050405020304" pitchFamily="18" charset="0"/>
+                <a:ea typeface="华文中宋" panose="02010600040101010101" pitchFamily="2" charset="-122"/>
+                <a:cs typeface="Times New Roman" panose="02020603050405020304" pitchFamily="18" charset="0"/>
+              </a:rPr>
+              <a:t>或</a:t>
+            </a:r>
+            <a:r>
+              <a:rPr lang="zh-CN" altLang="en-US" sz="1400" b="1" dirty="0">
+                <a:solidFill>
+                  <a:srgbClr val="FF0000"/>
+                </a:solidFill>
+                <a:latin typeface="Times New Roman" panose="02020603050405020304" pitchFamily="18" charset="0"/>
+                <a:ea typeface="华文中宋" panose="02010600040101010101" pitchFamily="2" charset="-122"/>
+                <a:cs typeface="Times New Roman" panose="02020603050405020304" pitchFamily="18" charset="0"/>
+              </a:rPr>
+              <a:t>系统调用</a:t>
+            </a:r>
+          </a:p>
+        </p:txBody>
+      </p:sp>
+    </p:spTree>
+    <p:extLst>
+      <p:ext uri="{BB962C8B-B14F-4D97-AF65-F5344CB8AC3E}">
+        <p14:creationId xmlns:p14="http://schemas.microsoft.com/office/powerpoint/2010/main" val="524893325"/>
+      </p:ext>
+    </p:extLst>
+  </p:cSld>
+  <p:clrMapOvr>
+    <a:masterClrMapping/>
+  </p:clrMapOvr>
+</p:sld>
+</file>
+
+<file path=ppt/slides/slide6.xml><?xml version="1.0" encoding="utf-8"?>
+<p:sld xmlns:a="http://schemas.openxmlformats.org/drawingml/2006/main" xmlns:r="http://schemas.openxmlformats.org/officeDocument/2006/relationships" xmlns:p="http://schemas.openxmlformats.org/presentationml/2006/main">
+  <p:cSld>
+    <p:spTree>
+      <p:nvGrpSpPr>
+        <p:cNvPr id="1" name=""/>
+        <p:cNvGrpSpPr/>
+        <p:nvPr/>
+      </p:nvGrpSpPr>
+      <p:grpSpPr>
+        <a:xfrm>
+          <a:off x="0" y="0"/>
+          <a:ext cx="0" cy="0"/>
+          <a:chOff x="0" y="0"/>
+          <a:chExt cx="0" cy="0"/>
+        </a:xfrm>
+      </p:grpSpPr>
+    </p:spTree>
+    <p:extLst>
+      <p:ext uri="{BB962C8B-B14F-4D97-AF65-F5344CB8AC3E}">
+        <p14:creationId xmlns:p14="http://schemas.microsoft.com/office/powerpoint/2010/main" val="749275572"/>
+      </p:ext>
+    </p:extLst>
+  </p:cSld>
+  <p:clrMapOvr>
+    <a:masterClrMapping/>
+  </p:clrMapOvr>
+</p:sld>
+</file>
+
+<file path=ppt/slides/slide7.xml><?xml version="1.0" encoding="utf-8"?>
+<p:sld xmlns:a="http://schemas.openxmlformats.org/drawingml/2006/main" xmlns:r="http://schemas.openxmlformats.org/officeDocument/2006/relationships" xmlns:p="http://schemas.openxmlformats.org/presentationml/2006/main">
+  <p:cSld>
+    <p:spTree>
+      <p:nvGrpSpPr>
+        <p:cNvPr id="1" name=""/>
+        <p:cNvGrpSpPr/>
+        <p:nvPr/>
+      </p:nvGrpSpPr>
+      <p:grpSpPr>
+        <a:xfrm>
+          <a:off x="0" y="0"/>
+          <a:ext cx="0" cy="0"/>
+          <a:chOff x="0" y="0"/>
+          <a:chExt cx="0" cy="0"/>
+        </a:xfrm>
+      </p:grpSpPr>
+    </p:spTree>
+    <p:extLst>
+      <p:ext uri="{BB962C8B-B14F-4D97-AF65-F5344CB8AC3E}">
+        <p14:creationId xmlns:p14="http://schemas.microsoft.com/office/powerpoint/2010/main" val="3938086918"/>
+      </p:ext>
+    </p:extLst>
+  </p:cSld>
+  <p:clrMapOvr>
+    <a:masterClrMapping/>
+  </p:clrMapOvr>
+</p:sld>
+</file>
+
 <file path=ppt/theme/theme1.xml><?xml version="1.0" encoding="utf-8"?>
 <a:theme xmlns:a="http://schemas.openxmlformats.org/drawingml/2006/main" name="Office 主题​​">
   <a:themeElements>
@@ -7641,7 +10229,33 @@
       </a:bgFillStyleLst>
     </a:fmtScheme>
   </a:themeElements>
-  <a:objectDefaults/>
+  <a:objectDefaults>
+    <a:spDef>
+      <a:spPr/>
+      <a:bodyPr rtlCol="0" anchor="ctr"/>
+      <a:lstStyle>
+        <a:defPPr algn="ctr">
+          <a:defRPr/>
+        </a:defPPr>
+      </a:lstStyle>
+      <a:style>
+        <a:lnRef idx="2">
+          <a:schemeClr val="accent1">
+            <a:shade val="50000"/>
+          </a:schemeClr>
+        </a:lnRef>
+        <a:fillRef idx="1">
+          <a:schemeClr val="accent1"/>
+        </a:fillRef>
+        <a:effectRef idx="0">
+          <a:schemeClr val="accent1"/>
+        </a:effectRef>
+        <a:fontRef idx="minor">
+          <a:schemeClr val="lt1"/>
+        </a:fontRef>
+      </a:style>
+    </a:spDef>
+  </a:objectDefaults>
   <a:extraClrSchemeLst/>
   <a:extLst>
     <a:ext uri="{05A4C25C-085E-4340-85A3-A5531E510DB2}">
